--- a/Teste Exploratório.pptx
+++ b/Teste Exploratório.pptx
@@ -273,7 +273,7 @@
           <a:p>
             <a:fld id="{C43A76A3-ADC8-4477-8FC1-B9DD55D84908}" type="datetime1">
               <a:rPr lang="en-US" smtClean="0"/>
-              <a:t>10/26/2025</a:t>
+              <a:t>10/27/2025</a:t>
             </a:fld>
             <a:endParaRPr lang="en-US" dirty="0"/>
           </a:p>
@@ -471,7 +471,7 @@
           <a:p>
             <a:fld id="{D6762538-DC4D-4667-96E5-B3278DDF8B12}" type="datetime1">
               <a:rPr lang="en-US" smtClean="0"/>
-              <a:t>10/26/2025</a:t>
+              <a:t>10/27/2025</a:t>
             </a:fld>
             <a:endParaRPr lang="en-US"/>
           </a:p>
@@ -679,7 +679,7 @@
           <a:p>
             <a:fld id="{05880548-5C08-4BE3-B63E-F2BB63B0B00C}" type="datetime1">
               <a:rPr lang="en-US" smtClean="0"/>
-              <a:t>10/26/2025</a:t>
+              <a:t>10/27/2025</a:t>
             </a:fld>
             <a:endParaRPr lang="en-US"/>
           </a:p>
@@ -877,7 +877,7 @@
           <a:p>
             <a:fld id="{DE7F49BE-398D-479A-8A7E-5DDBCA61EDCB}" type="datetime1">
               <a:rPr lang="en-US" smtClean="0"/>
-              <a:t>10/26/2025</a:t>
+              <a:t>10/27/2025</a:t>
             </a:fld>
             <a:endParaRPr lang="en-US"/>
           </a:p>
@@ -1153,7 +1153,7 @@
           <a:p>
             <a:fld id="{CCD0C193-4974-4A1F-9C63-07D595E30D66}" type="datetime1">
               <a:rPr lang="en-US" smtClean="0"/>
-              <a:t>10/26/2025</a:t>
+              <a:t>10/27/2025</a:t>
             </a:fld>
             <a:endParaRPr lang="en-US"/>
           </a:p>
@@ -1420,7 +1420,7 @@
           <a:p>
             <a:fld id="{701AA87F-28D4-4BF0-B81F-877A89DFD5AC}" type="datetime1">
               <a:rPr lang="en-US" smtClean="0"/>
-              <a:t>10/26/2025</a:t>
+              <a:t>10/27/2025</a:t>
             </a:fld>
             <a:endParaRPr lang="en-US"/>
           </a:p>
@@ -1834,7 +1834,7 @@
           <a:p>
             <a:fld id="{A8A9F1F3-208B-49A3-B337-9C8ACEB3E0E1}" type="datetime1">
               <a:rPr lang="en-US" smtClean="0"/>
-              <a:t>10/26/2025</a:t>
+              <a:t>10/27/2025</a:t>
             </a:fld>
             <a:endParaRPr lang="en-US"/>
           </a:p>
@@ -1981,7 +1981,7 @@
           <a:p>
             <a:fld id="{27AF6CA6-7293-4AA2-A0E0-A3BF4416E786}" type="datetime1">
               <a:rPr lang="en-US" smtClean="0"/>
-              <a:t>10/26/2025</a:t>
+              <a:t>10/27/2025</a:t>
             </a:fld>
             <a:endParaRPr lang="en-US"/>
           </a:p>
@@ -2094,7 +2094,7 @@
           <a:p>
             <a:fld id="{98D87016-7BCD-46FB-8EE3-AB6C369108B4}" type="datetime1">
               <a:rPr lang="en-US" smtClean="0"/>
-              <a:t>10/26/2025</a:t>
+              <a:t>10/27/2025</a:t>
             </a:fld>
             <a:endParaRPr lang="en-US"/>
           </a:p>
@@ -2413,7 +2413,7 @@
           <a:p>
             <a:fld id="{A1547011-1FFC-4EF8-9A2E-53B4AD2ADBD4}" type="datetime1">
               <a:rPr lang="en-US" smtClean="0"/>
-              <a:t>10/26/2025</a:t>
+              <a:t>10/27/2025</a:t>
             </a:fld>
             <a:endParaRPr lang="en-US"/>
           </a:p>
@@ -2708,7 +2708,7 @@
           <a:p>
             <a:fld id="{9562EB47-45B4-4EF5-A743-B4885DD2F060}" type="datetime1">
               <a:rPr lang="en-US" smtClean="0"/>
-              <a:t>10/26/2025</a:t>
+              <a:t>10/27/2025</a:t>
             </a:fld>
             <a:endParaRPr lang="en-US"/>
           </a:p>
@@ -4093,7 +4093,7 @@
           <a:p>
             <a:fld id="{4A8D24A4-5FEC-4062-8995-EB21925B3B40}" type="datetime1">
               <a:rPr lang="en-US" smtClean="0"/>
-              <a:t>10/26/2025</a:t>
+              <a:t>10/27/2025</a:t>
             </a:fld>
             <a:endParaRPr lang="en-US" sz="1000" dirty="0"/>
           </a:p>
@@ -5659,7 +5659,7 @@
         </p:blipFill>
         <p:spPr>
           <a:xfrm>
-            <a:off x="1525" y="10"/>
+            <a:off x="6486" y="10"/>
             <a:ext cx="12188951" cy="6857990"/>
           </a:xfrm>
           <a:prstGeom prst="rect">
@@ -6293,1044 +6293,58 @@
           <a:lstStyle/>
           <a:p>
             <a:r>
-              <a:rPr lang="de-DE" dirty="0">
+              <a:rPr lang="pt-BR" dirty="0">
                 <a:solidFill>
                   <a:schemeClr val="bg1"/>
                 </a:solidFill>
-                <a:ea typeface="+mn-lt"/>
-                <a:cs typeface="+mn-lt"/>
               </a:rPr>
-              <a:t>Um teste </a:t>
-            </a:r>
-            <a:r>
-              <a:rPr lang="de-DE" dirty="0" err="1">
+              <a:t>O teste exploratório é uma abordagem ampla e intencional, diferente do teste ad-hoc.</a:t>
+            </a:r>
+            <a:br>
+              <a:rPr lang="pt-BR" dirty="0">
                 <a:solidFill>
                   <a:schemeClr val="bg1"/>
                 </a:solidFill>
-                <a:ea typeface="+mn-lt"/>
-                <a:cs typeface="+mn-lt"/>
               </a:rPr>
-              <a:t>exploratório</a:t>
-            </a:r>
-            <a:r>
-              <a:rPr lang="de-DE" dirty="0">
+            </a:br>
+            <a:r>
+              <a:rPr lang="pt-BR" dirty="0">
                 <a:solidFill>
                   <a:schemeClr val="bg1"/>
                 </a:solidFill>
-                <a:ea typeface="+mn-lt"/>
-                <a:cs typeface="+mn-lt"/>
               </a:rPr>
-              <a:t> de </a:t>
-            </a:r>
-            <a:r>
-              <a:rPr lang="de-DE" dirty="0" err="1">
+              <a:t>Ele exige propósito e não ocorre de forma totalmente espontânea.</a:t>
+            </a:r>
+            <a:br>
+              <a:rPr lang="pt-BR" dirty="0">
                 <a:solidFill>
                   <a:schemeClr val="bg1"/>
                 </a:solidFill>
-                <a:ea typeface="+mn-lt"/>
-                <a:cs typeface="+mn-lt"/>
               </a:rPr>
-              <a:t>software</a:t>
-            </a:r>
-            <a:r>
-              <a:rPr lang="de-DE" dirty="0">
+            </a:br>
+            <a:r>
+              <a:rPr lang="pt-BR" dirty="0">
                 <a:solidFill>
                   <a:schemeClr val="bg1"/>
                 </a:solidFill>
-                <a:ea typeface="+mn-lt"/>
-                <a:cs typeface="+mn-lt"/>
               </a:rPr>
-              <a:t> é </a:t>
-            </a:r>
-            <a:r>
-              <a:rPr lang="de-DE" dirty="0" err="1">
+              <a:t>Depende da prática, intuição e experiência do testador.</a:t>
+            </a:r>
+            <a:br>
+              <a:rPr lang="pt-BR" dirty="0">
                 <a:solidFill>
                   <a:schemeClr val="bg1"/>
                 </a:solidFill>
-                <a:ea typeface="+mn-lt"/>
-                <a:cs typeface="+mn-lt"/>
               </a:rPr>
-              <a:t>uma</a:t>
-            </a:r>
-            <a:r>
-              <a:rPr lang="de-DE" dirty="0">
+            </a:br>
+            <a:r>
+              <a:rPr lang="pt-BR" dirty="0">
                 <a:solidFill>
                   <a:schemeClr val="bg1"/>
                 </a:solidFill>
-                <a:ea typeface="+mn-lt"/>
-                <a:cs typeface="+mn-lt"/>
               </a:rPr>
-              <a:t> </a:t>
-            </a:r>
-            <a:r>
-              <a:rPr lang="de-DE" dirty="0" err="1">
-                <a:solidFill>
-                  <a:schemeClr val="bg1"/>
-                </a:solidFill>
-                <a:ea typeface="+mn-lt"/>
-                <a:cs typeface="+mn-lt"/>
-              </a:rPr>
-              <a:t>poderosa</a:t>
-            </a:r>
-            <a:r>
-              <a:rPr lang="de-DE" dirty="0">
-                <a:solidFill>
-                  <a:schemeClr val="bg1"/>
-                </a:solidFill>
-                <a:ea typeface="+mn-lt"/>
-                <a:cs typeface="+mn-lt"/>
-              </a:rPr>
-              <a:t> e </a:t>
-            </a:r>
-            <a:r>
-              <a:rPr lang="de-DE" dirty="0" err="1">
-                <a:solidFill>
-                  <a:schemeClr val="bg1"/>
-                </a:solidFill>
-                <a:ea typeface="+mn-lt"/>
-                <a:cs typeface="+mn-lt"/>
-              </a:rPr>
-              <a:t>abrangente</a:t>
-            </a:r>
-            <a:r>
-              <a:rPr lang="de-DE" dirty="0">
-                <a:solidFill>
-                  <a:schemeClr val="bg1"/>
-                </a:solidFill>
-                <a:ea typeface="+mn-lt"/>
-                <a:cs typeface="+mn-lt"/>
-              </a:rPr>
-              <a:t> </a:t>
-            </a:r>
-            <a:r>
-              <a:rPr lang="de-DE" dirty="0" err="1">
-                <a:solidFill>
-                  <a:schemeClr val="bg1"/>
-                </a:solidFill>
-                <a:ea typeface="+mn-lt"/>
-                <a:cs typeface="+mn-lt"/>
-              </a:rPr>
-              <a:t>abordagem</a:t>
-            </a:r>
-            <a:r>
-              <a:rPr lang="de-DE" dirty="0">
-                <a:solidFill>
-                  <a:schemeClr val="bg1"/>
-                </a:solidFill>
-                <a:ea typeface="+mn-lt"/>
-                <a:cs typeface="+mn-lt"/>
-              </a:rPr>
-              <a:t>, </a:t>
-            </a:r>
-            <a:r>
-              <a:rPr lang="de-DE" dirty="0" err="1">
-                <a:solidFill>
-                  <a:schemeClr val="bg1"/>
-                </a:solidFill>
-                <a:ea typeface="+mn-lt"/>
-                <a:cs typeface="+mn-lt"/>
-              </a:rPr>
-              <a:t>mas</a:t>
-            </a:r>
-            <a:r>
-              <a:rPr lang="de-DE" dirty="0">
-                <a:solidFill>
-                  <a:schemeClr val="bg1"/>
-                </a:solidFill>
-                <a:ea typeface="+mn-lt"/>
-                <a:cs typeface="+mn-lt"/>
-              </a:rPr>
-              <a:t> </a:t>
-            </a:r>
-            <a:r>
-              <a:rPr lang="de-DE" dirty="0" err="1">
-                <a:solidFill>
-                  <a:schemeClr val="bg1"/>
-                </a:solidFill>
-                <a:ea typeface="+mn-lt"/>
-                <a:cs typeface="+mn-lt"/>
-              </a:rPr>
-              <a:t>por</a:t>
-            </a:r>
-            <a:r>
-              <a:rPr lang="de-DE" dirty="0">
-                <a:solidFill>
-                  <a:schemeClr val="bg1"/>
-                </a:solidFill>
-                <a:ea typeface="+mn-lt"/>
-                <a:cs typeface="+mn-lt"/>
-              </a:rPr>
-              <a:t> </a:t>
-            </a:r>
-            <a:r>
-              <a:rPr lang="de-DE" dirty="0" err="1">
-                <a:solidFill>
-                  <a:schemeClr val="bg1"/>
-                </a:solidFill>
-                <a:ea typeface="+mn-lt"/>
-                <a:cs typeface="+mn-lt"/>
-              </a:rPr>
-              <a:t>vezes</a:t>
-            </a:r>
-            <a:r>
-              <a:rPr lang="de-DE" dirty="0">
-                <a:solidFill>
-                  <a:schemeClr val="bg1"/>
-                </a:solidFill>
-                <a:ea typeface="+mn-lt"/>
-                <a:cs typeface="+mn-lt"/>
-              </a:rPr>
-              <a:t>, </a:t>
-            </a:r>
-            <a:r>
-              <a:rPr lang="de-DE" dirty="0" err="1">
-                <a:solidFill>
-                  <a:schemeClr val="bg1"/>
-                </a:solidFill>
-                <a:ea typeface="+mn-lt"/>
-                <a:cs typeface="+mn-lt"/>
-              </a:rPr>
-              <a:t>confundido</a:t>
-            </a:r>
-            <a:r>
-              <a:rPr lang="de-DE" dirty="0">
-                <a:solidFill>
-                  <a:schemeClr val="bg1"/>
-                </a:solidFill>
-                <a:ea typeface="+mn-lt"/>
-                <a:cs typeface="+mn-lt"/>
-              </a:rPr>
-              <a:t> </a:t>
-            </a:r>
-            <a:r>
-              <a:rPr lang="de-DE" dirty="0" err="1">
-                <a:solidFill>
-                  <a:schemeClr val="bg1"/>
-                </a:solidFill>
-                <a:ea typeface="+mn-lt"/>
-                <a:cs typeface="+mn-lt"/>
-              </a:rPr>
-              <a:t>com</a:t>
-            </a:r>
-            <a:r>
-              <a:rPr lang="de-DE" dirty="0">
-                <a:solidFill>
-                  <a:schemeClr val="bg1"/>
-                </a:solidFill>
-                <a:ea typeface="+mn-lt"/>
-                <a:cs typeface="+mn-lt"/>
-              </a:rPr>
-              <a:t> o teste ad-hoc. Testes </a:t>
-            </a:r>
-            <a:r>
-              <a:rPr lang="de-DE" dirty="0" err="1">
-                <a:solidFill>
-                  <a:schemeClr val="bg1"/>
-                </a:solidFill>
-                <a:ea typeface="+mn-lt"/>
-                <a:cs typeface="+mn-lt"/>
-              </a:rPr>
-              <a:t>são</a:t>
-            </a:r>
-            <a:r>
-              <a:rPr lang="de-DE" dirty="0">
-                <a:solidFill>
-                  <a:schemeClr val="bg1"/>
-                </a:solidFill>
-                <a:ea typeface="+mn-lt"/>
-                <a:cs typeface="+mn-lt"/>
-              </a:rPr>
-              <a:t> </a:t>
-            </a:r>
-            <a:r>
-              <a:rPr lang="de-DE" dirty="0" err="1">
-                <a:solidFill>
-                  <a:schemeClr val="bg1"/>
-                </a:solidFill>
-                <a:ea typeface="+mn-lt"/>
-                <a:cs typeface="+mn-lt"/>
-              </a:rPr>
-              <a:t>executados</a:t>
-            </a:r>
-            <a:r>
-              <a:rPr lang="de-DE" dirty="0">
-                <a:solidFill>
-                  <a:schemeClr val="bg1"/>
-                </a:solidFill>
-                <a:ea typeface="+mn-lt"/>
-                <a:cs typeface="+mn-lt"/>
-              </a:rPr>
-              <a:t> naturalmente e </a:t>
-            </a:r>
-            <a:r>
-              <a:rPr lang="de-DE" dirty="0" err="1">
-                <a:solidFill>
-                  <a:schemeClr val="bg1"/>
-                </a:solidFill>
-                <a:ea typeface="+mn-lt"/>
-                <a:cs typeface="+mn-lt"/>
-              </a:rPr>
-              <a:t>involuntariamente</a:t>
-            </a:r>
-            <a:r>
-              <a:rPr lang="de-DE" dirty="0">
-                <a:solidFill>
-                  <a:schemeClr val="bg1"/>
-                </a:solidFill>
-                <a:ea typeface="+mn-lt"/>
-                <a:cs typeface="+mn-lt"/>
-              </a:rPr>
-              <a:t> </a:t>
-            </a:r>
-            <a:r>
-              <a:rPr lang="de-DE" dirty="0" err="1">
-                <a:solidFill>
-                  <a:schemeClr val="bg1"/>
-                </a:solidFill>
-                <a:ea typeface="+mn-lt"/>
-                <a:cs typeface="+mn-lt"/>
-              </a:rPr>
-              <a:t>por</a:t>
-            </a:r>
-            <a:r>
-              <a:rPr lang="de-DE" dirty="0">
-                <a:solidFill>
-                  <a:schemeClr val="bg1"/>
-                </a:solidFill>
-                <a:ea typeface="+mn-lt"/>
-                <a:cs typeface="+mn-lt"/>
-              </a:rPr>
-              <a:t> </a:t>
-            </a:r>
-            <a:r>
-              <a:rPr lang="de-DE" dirty="0" err="1">
-                <a:solidFill>
-                  <a:schemeClr val="bg1"/>
-                </a:solidFill>
-                <a:ea typeface="+mn-lt"/>
-                <a:cs typeface="+mn-lt"/>
-              </a:rPr>
-              <a:t>qualquer</a:t>
-            </a:r>
-            <a:r>
-              <a:rPr lang="de-DE" dirty="0">
-                <a:solidFill>
-                  <a:schemeClr val="bg1"/>
-                </a:solidFill>
-                <a:ea typeface="+mn-lt"/>
-                <a:cs typeface="+mn-lt"/>
-              </a:rPr>
-              <a:t> </a:t>
-            </a:r>
-            <a:r>
-              <a:rPr lang="de-DE" dirty="0" err="1">
-                <a:solidFill>
-                  <a:schemeClr val="bg1"/>
-                </a:solidFill>
-                <a:ea typeface="+mn-lt"/>
-                <a:cs typeface="+mn-lt"/>
-              </a:rPr>
-              <a:t>usuário</a:t>
-            </a:r>
-            <a:r>
-              <a:rPr lang="de-DE" dirty="0">
-                <a:solidFill>
-                  <a:schemeClr val="bg1"/>
-                </a:solidFill>
-                <a:ea typeface="+mn-lt"/>
-                <a:cs typeface="+mn-lt"/>
-              </a:rPr>
-              <a:t> de um </a:t>
-            </a:r>
-            <a:r>
-              <a:rPr lang="de-DE" dirty="0" err="1">
-                <a:solidFill>
-                  <a:schemeClr val="bg1"/>
-                </a:solidFill>
-                <a:ea typeface="+mn-lt"/>
-                <a:cs typeface="+mn-lt"/>
-              </a:rPr>
-              <a:t>determinado</a:t>
-            </a:r>
-            <a:r>
-              <a:rPr lang="de-DE" dirty="0">
-                <a:solidFill>
-                  <a:schemeClr val="bg1"/>
-                </a:solidFill>
-                <a:ea typeface="+mn-lt"/>
-                <a:cs typeface="+mn-lt"/>
-              </a:rPr>
-              <a:t> </a:t>
-            </a:r>
-            <a:r>
-              <a:rPr lang="de-DE" dirty="0" err="1">
-                <a:solidFill>
-                  <a:schemeClr val="bg1"/>
-                </a:solidFill>
-                <a:ea typeface="+mn-lt"/>
-                <a:cs typeface="+mn-lt"/>
-              </a:rPr>
-              <a:t>software</a:t>
-            </a:r>
-            <a:r>
-              <a:rPr lang="de-DE" dirty="0">
-                <a:solidFill>
-                  <a:schemeClr val="bg1"/>
-                </a:solidFill>
-                <a:ea typeface="+mn-lt"/>
-                <a:cs typeface="+mn-lt"/>
-              </a:rPr>
-              <a:t>. </a:t>
-            </a:r>
-            <a:r>
-              <a:rPr lang="de-DE" dirty="0" err="1">
-                <a:solidFill>
-                  <a:schemeClr val="bg1"/>
-                </a:solidFill>
-                <a:ea typeface="+mn-lt"/>
-                <a:cs typeface="+mn-lt"/>
-              </a:rPr>
-              <a:t>Porém</a:t>
-            </a:r>
-            <a:r>
-              <a:rPr lang="de-DE" dirty="0">
-                <a:solidFill>
-                  <a:schemeClr val="bg1"/>
-                </a:solidFill>
-                <a:ea typeface="+mn-lt"/>
-                <a:cs typeface="+mn-lt"/>
-              </a:rPr>
-              <a:t>, </a:t>
-            </a:r>
-            <a:r>
-              <a:rPr lang="de-DE" dirty="0" err="1">
-                <a:solidFill>
-                  <a:schemeClr val="bg1"/>
-                </a:solidFill>
-                <a:ea typeface="+mn-lt"/>
-                <a:cs typeface="+mn-lt"/>
-              </a:rPr>
-              <a:t>para</a:t>
-            </a:r>
-            <a:r>
-              <a:rPr lang="de-DE" dirty="0">
-                <a:solidFill>
-                  <a:schemeClr val="bg1"/>
-                </a:solidFill>
-                <a:ea typeface="+mn-lt"/>
-                <a:cs typeface="+mn-lt"/>
-              </a:rPr>
-              <a:t> </a:t>
-            </a:r>
-            <a:r>
-              <a:rPr lang="de-DE" dirty="0" err="1">
-                <a:solidFill>
-                  <a:schemeClr val="bg1"/>
-                </a:solidFill>
-                <a:ea typeface="+mn-lt"/>
-                <a:cs typeface="+mn-lt"/>
-              </a:rPr>
-              <a:t>estes</a:t>
-            </a:r>
-            <a:r>
-              <a:rPr lang="de-DE" dirty="0">
-                <a:solidFill>
-                  <a:schemeClr val="bg1"/>
-                </a:solidFill>
-                <a:ea typeface="+mn-lt"/>
-                <a:cs typeface="+mn-lt"/>
-              </a:rPr>
-              <a:t> </a:t>
-            </a:r>
-            <a:r>
-              <a:rPr lang="de-DE" dirty="0" err="1">
-                <a:solidFill>
-                  <a:schemeClr val="bg1"/>
-                </a:solidFill>
-                <a:ea typeface="+mn-lt"/>
-                <a:cs typeface="+mn-lt"/>
-              </a:rPr>
-              <a:t>testes</a:t>
-            </a:r>
-            <a:r>
-              <a:rPr lang="de-DE" dirty="0">
-                <a:solidFill>
-                  <a:schemeClr val="bg1"/>
-                </a:solidFill>
-                <a:ea typeface="+mn-lt"/>
-                <a:cs typeface="+mn-lt"/>
-              </a:rPr>
-              <a:t> </a:t>
-            </a:r>
-            <a:r>
-              <a:rPr lang="de-DE" dirty="0" err="1">
-                <a:solidFill>
-                  <a:schemeClr val="bg1"/>
-                </a:solidFill>
-                <a:ea typeface="+mn-lt"/>
-                <a:cs typeface="+mn-lt"/>
-              </a:rPr>
-              <a:t>serem</a:t>
-            </a:r>
-            <a:r>
-              <a:rPr lang="de-DE" dirty="0">
-                <a:solidFill>
-                  <a:schemeClr val="bg1"/>
-                </a:solidFill>
-                <a:ea typeface="+mn-lt"/>
-                <a:cs typeface="+mn-lt"/>
-              </a:rPr>
-              <a:t> </a:t>
-            </a:r>
-            <a:r>
-              <a:rPr lang="de-DE" dirty="0" err="1">
-                <a:solidFill>
-                  <a:schemeClr val="bg1"/>
-                </a:solidFill>
-                <a:ea typeface="+mn-lt"/>
-                <a:cs typeface="+mn-lt"/>
-              </a:rPr>
-              <a:t>considerados</a:t>
-            </a:r>
-            <a:r>
-              <a:rPr lang="de-DE" dirty="0">
-                <a:solidFill>
-                  <a:schemeClr val="bg1"/>
-                </a:solidFill>
-                <a:ea typeface="+mn-lt"/>
-                <a:cs typeface="+mn-lt"/>
-              </a:rPr>
-              <a:t> </a:t>
-            </a:r>
-            <a:r>
-              <a:rPr lang="de-DE" dirty="0" err="1">
-                <a:solidFill>
-                  <a:schemeClr val="bg1"/>
-                </a:solidFill>
-                <a:ea typeface="+mn-lt"/>
-                <a:cs typeface="+mn-lt"/>
-              </a:rPr>
-              <a:t>exploratórios</a:t>
-            </a:r>
-            <a:r>
-              <a:rPr lang="de-DE" dirty="0">
-                <a:solidFill>
-                  <a:schemeClr val="bg1"/>
-                </a:solidFill>
-                <a:ea typeface="+mn-lt"/>
-                <a:cs typeface="+mn-lt"/>
-              </a:rPr>
-              <a:t>, </a:t>
-            </a:r>
-            <a:r>
-              <a:rPr lang="de-DE" dirty="0" err="1">
-                <a:solidFill>
-                  <a:schemeClr val="bg1"/>
-                </a:solidFill>
-                <a:ea typeface="+mn-lt"/>
-                <a:cs typeface="+mn-lt"/>
-              </a:rPr>
-              <a:t>deve</a:t>
-            </a:r>
-            <a:r>
-              <a:rPr lang="de-DE" dirty="0">
-                <a:solidFill>
-                  <a:schemeClr val="bg1"/>
-                </a:solidFill>
-                <a:ea typeface="+mn-lt"/>
-                <a:cs typeface="+mn-lt"/>
-              </a:rPr>
-              <a:t>-se </a:t>
-            </a:r>
-            <a:r>
-              <a:rPr lang="de-DE" dirty="0" err="1">
-                <a:solidFill>
-                  <a:schemeClr val="bg1"/>
-                </a:solidFill>
-                <a:ea typeface="+mn-lt"/>
-                <a:cs typeface="+mn-lt"/>
-              </a:rPr>
-              <a:t>existir</a:t>
-            </a:r>
-            <a:r>
-              <a:rPr lang="de-DE" dirty="0">
-                <a:solidFill>
-                  <a:schemeClr val="bg1"/>
-                </a:solidFill>
-                <a:ea typeface="+mn-lt"/>
-                <a:cs typeface="+mn-lt"/>
-              </a:rPr>
-              <a:t> um </a:t>
-            </a:r>
-            <a:r>
-              <a:rPr lang="de-DE" dirty="0" err="1">
-                <a:solidFill>
-                  <a:schemeClr val="bg1"/>
-                </a:solidFill>
-                <a:ea typeface="+mn-lt"/>
-                <a:cs typeface="+mn-lt"/>
-              </a:rPr>
-              <a:t>propósito</a:t>
-            </a:r>
-            <a:r>
-              <a:rPr lang="de-DE" dirty="0">
-                <a:solidFill>
-                  <a:schemeClr val="bg1"/>
-                </a:solidFill>
-                <a:ea typeface="+mn-lt"/>
-                <a:cs typeface="+mn-lt"/>
-              </a:rPr>
-              <a:t> </a:t>
-            </a:r>
-            <a:r>
-              <a:rPr lang="de-DE" dirty="0" err="1">
-                <a:solidFill>
-                  <a:schemeClr val="bg1"/>
-                </a:solidFill>
-                <a:ea typeface="+mn-lt"/>
-                <a:cs typeface="+mn-lt"/>
-              </a:rPr>
-              <a:t>para</a:t>
-            </a:r>
-            <a:r>
-              <a:rPr lang="de-DE" dirty="0">
-                <a:solidFill>
-                  <a:schemeClr val="bg1"/>
-                </a:solidFill>
-                <a:ea typeface="+mn-lt"/>
-                <a:cs typeface="+mn-lt"/>
-              </a:rPr>
-              <a:t> </a:t>
-            </a:r>
-            <a:r>
-              <a:rPr lang="de-DE" dirty="0" err="1">
-                <a:solidFill>
-                  <a:schemeClr val="bg1"/>
-                </a:solidFill>
-                <a:ea typeface="+mn-lt"/>
-                <a:cs typeface="+mn-lt"/>
-              </a:rPr>
-              <a:t>tal</a:t>
-            </a:r>
-            <a:r>
-              <a:rPr lang="de-DE" dirty="0">
-                <a:solidFill>
-                  <a:schemeClr val="bg1"/>
-                </a:solidFill>
-                <a:ea typeface="+mn-lt"/>
-                <a:cs typeface="+mn-lt"/>
-              </a:rPr>
-              <a:t> </a:t>
-            </a:r>
-            <a:r>
-              <a:rPr lang="de-DE" dirty="0" err="1">
-                <a:solidFill>
-                  <a:schemeClr val="bg1"/>
-                </a:solidFill>
-                <a:ea typeface="+mn-lt"/>
-                <a:cs typeface="+mn-lt"/>
-              </a:rPr>
-              <a:t>execução</a:t>
-            </a:r>
-            <a:r>
-              <a:rPr lang="de-DE" dirty="0">
-                <a:solidFill>
-                  <a:schemeClr val="bg1"/>
-                </a:solidFill>
-                <a:ea typeface="+mn-lt"/>
-                <a:cs typeface="+mn-lt"/>
-              </a:rPr>
-              <a:t>. </a:t>
-            </a:r>
-            <a:r>
-              <a:rPr lang="de-DE" dirty="0" err="1">
-                <a:solidFill>
-                  <a:schemeClr val="bg1"/>
-                </a:solidFill>
-                <a:ea typeface="+mn-lt"/>
-                <a:cs typeface="+mn-lt"/>
-              </a:rPr>
-              <a:t>Tipos</a:t>
-            </a:r>
-            <a:r>
-              <a:rPr lang="de-DE" dirty="0">
-                <a:solidFill>
-                  <a:schemeClr val="bg1"/>
-                </a:solidFill>
-                <a:ea typeface="+mn-lt"/>
-                <a:cs typeface="+mn-lt"/>
-              </a:rPr>
-              <a:t> de teste </a:t>
-            </a:r>
-            <a:r>
-              <a:rPr lang="de-DE" dirty="0" err="1">
-                <a:solidFill>
-                  <a:schemeClr val="bg1"/>
-                </a:solidFill>
-                <a:ea typeface="+mn-lt"/>
-                <a:cs typeface="+mn-lt"/>
-              </a:rPr>
-              <a:t>como</a:t>
-            </a:r>
-            <a:r>
-              <a:rPr lang="de-DE" dirty="0">
-                <a:solidFill>
-                  <a:schemeClr val="bg1"/>
-                </a:solidFill>
-                <a:ea typeface="+mn-lt"/>
-                <a:cs typeface="+mn-lt"/>
-              </a:rPr>
-              <a:t> </a:t>
-            </a:r>
-            <a:r>
-              <a:rPr lang="de-DE" dirty="0" err="1">
-                <a:solidFill>
-                  <a:schemeClr val="bg1"/>
-                </a:solidFill>
-                <a:ea typeface="+mn-lt"/>
-                <a:cs typeface="+mn-lt"/>
-              </a:rPr>
-              <a:t>este</a:t>
-            </a:r>
-            <a:r>
-              <a:rPr lang="de-DE" dirty="0">
-                <a:solidFill>
-                  <a:schemeClr val="bg1"/>
-                </a:solidFill>
-                <a:ea typeface="+mn-lt"/>
-                <a:cs typeface="+mn-lt"/>
-              </a:rPr>
-              <a:t> </a:t>
-            </a:r>
-            <a:r>
-              <a:rPr lang="de-DE" dirty="0" err="1">
-                <a:solidFill>
-                  <a:schemeClr val="bg1"/>
-                </a:solidFill>
-                <a:ea typeface="+mn-lt"/>
-                <a:cs typeface="+mn-lt"/>
-              </a:rPr>
-              <a:t>requerem</a:t>
-            </a:r>
-            <a:r>
-              <a:rPr lang="de-DE" dirty="0">
-                <a:solidFill>
-                  <a:schemeClr val="bg1"/>
-                </a:solidFill>
-                <a:ea typeface="+mn-lt"/>
-                <a:cs typeface="+mn-lt"/>
-              </a:rPr>
-              <a:t> </a:t>
-            </a:r>
-            <a:r>
-              <a:rPr lang="de-DE" dirty="0" err="1">
-                <a:solidFill>
-                  <a:schemeClr val="bg1"/>
-                </a:solidFill>
-                <a:ea typeface="+mn-lt"/>
-                <a:cs typeface="+mn-lt"/>
-              </a:rPr>
-              <a:t>bastante</a:t>
-            </a:r>
-            <a:r>
-              <a:rPr lang="de-DE" dirty="0">
-                <a:solidFill>
-                  <a:schemeClr val="bg1"/>
-                </a:solidFill>
-                <a:ea typeface="+mn-lt"/>
-                <a:cs typeface="+mn-lt"/>
-              </a:rPr>
-              <a:t> </a:t>
-            </a:r>
-            <a:r>
-              <a:rPr lang="de-DE" dirty="0" err="1">
-                <a:solidFill>
-                  <a:schemeClr val="bg1"/>
-                </a:solidFill>
-                <a:ea typeface="+mn-lt"/>
-                <a:cs typeface="+mn-lt"/>
-              </a:rPr>
-              <a:t>prática</a:t>
-            </a:r>
-            <a:r>
-              <a:rPr lang="de-DE" dirty="0">
-                <a:solidFill>
-                  <a:schemeClr val="bg1"/>
-                </a:solidFill>
-                <a:ea typeface="+mn-lt"/>
-                <a:cs typeface="+mn-lt"/>
-              </a:rPr>
-              <a:t> dos </a:t>
-            </a:r>
-            <a:r>
-              <a:rPr lang="de-DE" dirty="0" err="1">
-                <a:solidFill>
-                  <a:schemeClr val="bg1"/>
-                </a:solidFill>
-                <a:ea typeface="+mn-lt"/>
-                <a:cs typeface="+mn-lt"/>
-              </a:rPr>
-              <a:t>envolvidos</a:t>
-            </a:r>
-            <a:r>
-              <a:rPr lang="de-DE" dirty="0">
-                <a:solidFill>
-                  <a:schemeClr val="bg1"/>
-                </a:solidFill>
-                <a:ea typeface="+mn-lt"/>
-                <a:cs typeface="+mn-lt"/>
-              </a:rPr>
-              <a:t> </a:t>
-            </a:r>
-            <a:r>
-              <a:rPr lang="de-DE" dirty="0" err="1">
-                <a:solidFill>
-                  <a:schemeClr val="bg1"/>
-                </a:solidFill>
-                <a:ea typeface="+mn-lt"/>
-                <a:cs typeface="+mn-lt"/>
-              </a:rPr>
-              <a:t>no</a:t>
-            </a:r>
-            <a:r>
-              <a:rPr lang="de-DE" dirty="0">
-                <a:solidFill>
-                  <a:schemeClr val="bg1"/>
-                </a:solidFill>
-                <a:ea typeface="+mn-lt"/>
-                <a:cs typeface="+mn-lt"/>
-              </a:rPr>
-              <a:t> </a:t>
-            </a:r>
-            <a:r>
-              <a:rPr lang="de-DE" dirty="0" err="1">
-                <a:solidFill>
-                  <a:schemeClr val="bg1"/>
-                </a:solidFill>
-                <a:ea typeface="+mn-lt"/>
-                <a:cs typeface="+mn-lt"/>
-              </a:rPr>
-              <a:t>projeto</a:t>
-            </a:r>
-            <a:r>
-              <a:rPr lang="de-DE" dirty="0">
-                <a:solidFill>
-                  <a:schemeClr val="bg1"/>
-                </a:solidFill>
-                <a:ea typeface="+mn-lt"/>
-                <a:cs typeface="+mn-lt"/>
-              </a:rPr>
-              <a:t>. Como </a:t>
-            </a:r>
-            <a:r>
-              <a:rPr lang="de-DE" dirty="0" err="1">
-                <a:solidFill>
-                  <a:schemeClr val="bg1"/>
-                </a:solidFill>
-                <a:ea typeface="+mn-lt"/>
-                <a:cs typeface="+mn-lt"/>
-              </a:rPr>
-              <a:t>citaram</a:t>
-            </a:r>
-            <a:r>
-              <a:rPr lang="de-DE" dirty="0">
-                <a:solidFill>
-                  <a:schemeClr val="bg1"/>
-                </a:solidFill>
-                <a:ea typeface="+mn-lt"/>
-                <a:cs typeface="+mn-lt"/>
-              </a:rPr>
-              <a:t> (Braga e </a:t>
-            </a:r>
-            <a:r>
-              <a:rPr lang="de-DE" dirty="0" err="1">
-                <a:solidFill>
-                  <a:schemeClr val="bg1"/>
-                </a:solidFill>
-                <a:ea typeface="+mn-lt"/>
-                <a:cs typeface="+mn-lt"/>
-              </a:rPr>
-              <a:t>Pretz</a:t>
-            </a:r>
-            <a:r>
-              <a:rPr lang="de-DE" dirty="0">
-                <a:solidFill>
-                  <a:schemeClr val="bg1"/>
-                </a:solidFill>
-                <a:ea typeface="+mn-lt"/>
-                <a:cs typeface="+mn-lt"/>
-              </a:rPr>
-              <a:t>) “o teste </a:t>
-            </a:r>
-            <a:r>
-              <a:rPr lang="de-DE" dirty="0" err="1">
-                <a:solidFill>
-                  <a:schemeClr val="bg1"/>
-                </a:solidFill>
-                <a:ea typeface="+mn-lt"/>
-                <a:cs typeface="+mn-lt"/>
-              </a:rPr>
-              <a:t>exploratório</a:t>
-            </a:r>
-            <a:r>
-              <a:rPr lang="de-DE" dirty="0">
-                <a:solidFill>
-                  <a:schemeClr val="bg1"/>
-                </a:solidFill>
-                <a:ea typeface="+mn-lt"/>
-                <a:cs typeface="+mn-lt"/>
-              </a:rPr>
-              <a:t> se </a:t>
-            </a:r>
-            <a:r>
-              <a:rPr lang="de-DE" dirty="0" err="1">
-                <a:solidFill>
-                  <a:schemeClr val="bg1"/>
-                </a:solidFill>
-                <a:ea typeface="+mn-lt"/>
-                <a:cs typeface="+mn-lt"/>
-              </a:rPr>
-              <a:t>baseia</a:t>
-            </a:r>
-            <a:r>
-              <a:rPr lang="de-DE" dirty="0">
-                <a:solidFill>
-                  <a:schemeClr val="bg1"/>
-                </a:solidFill>
-                <a:ea typeface="+mn-lt"/>
-                <a:cs typeface="+mn-lt"/>
-              </a:rPr>
-              <a:t> na </a:t>
-            </a:r>
-            <a:r>
-              <a:rPr lang="de-DE" dirty="0" err="1">
-                <a:solidFill>
-                  <a:schemeClr val="bg1"/>
-                </a:solidFill>
-                <a:ea typeface="+mn-lt"/>
-                <a:cs typeface="+mn-lt"/>
-              </a:rPr>
-              <a:t>intuição</a:t>
-            </a:r>
-            <a:r>
-              <a:rPr lang="de-DE" dirty="0">
-                <a:solidFill>
-                  <a:schemeClr val="bg1"/>
-                </a:solidFill>
-                <a:ea typeface="+mn-lt"/>
-                <a:cs typeface="+mn-lt"/>
-              </a:rPr>
-              <a:t> e </a:t>
-            </a:r>
-            <a:r>
-              <a:rPr lang="de-DE" dirty="0" err="1">
-                <a:solidFill>
-                  <a:schemeClr val="bg1"/>
-                </a:solidFill>
-                <a:ea typeface="+mn-lt"/>
-                <a:cs typeface="+mn-lt"/>
-              </a:rPr>
-              <a:t>depende</a:t>
-            </a:r>
-            <a:r>
-              <a:rPr lang="de-DE" dirty="0">
-                <a:solidFill>
-                  <a:schemeClr val="bg1"/>
-                </a:solidFill>
-                <a:ea typeface="+mn-lt"/>
-                <a:cs typeface="+mn-lt"/>
-              </a:rPr>
-              <a:t> do </a:t>
-            </a:r>
-            <a:r>
-              <a:rPr lang="de-DE" dirty="0" err="1">
-                <a:solidFill>
-                  <a:schemeClr val="bg1"/>
-                </a:solidFill>
-                <a:ea typeface="+mn-lt"/>
-                <a:cs typeface="+mn-lt"/>
-              </a:rPr>
-              <a:t>conhecimento</a:t>
-            </a:r>
-            <a:r>
-              <a:rPr lang="de-DE" dirty="0">
-                <a:solidFill>
-                  <a:schemeClr val="bg1"/>
-                </a:solidFill>
-                <a:ea typeface="+mn-lt"/>
-                <a:cs typeface="+mn-lt"/>
-              </a:rPr>
-              <a:t>, </a:t>
-            </a:r>
-            <a:r>
-              <a:rPr lang="de-DE" dirty="0" err="1">
-                <a:solidFill>
-                  <a:schemeClr val="bg1"/>
-                </a:solidFill>
-                <a:ea typeface="+mn-lt"/>
-                <a:cs typeface="+mn-lt"/>
-              </a:rPr>
-              <a:t>habilidade</a:t>
-            </a:r>
-            <a:r>
-              <a:rPr lang="de-DE" dirty="0">
-                <a:solidFill>
-                  <a:schemeClr val="bg1"/>
-                </a:solidFill>
-                <a:ea typeface="+mn-lt"/>
-                <a:cs typeface="+mn-lt"/>
-              </a:rPr>
-              <a:t> e </a:t>
-            </a:r>
-            <a:r>
-              <a:rPr lang="de-DE" dirty="0" err="1">
-                <a:solidFill>
-                  <a:schemeClr val="bg1"/>
-                </a:solidFill>
-                <a:ea typeface="+mn-lt"/>
-                <a:cs typeface="+mn-lt"/>
-              </a:rPr>
-              <a:t>experiência</a:t>
-            </a:r>
-            <a:r>
-              <a:rPr lang="de-DE" dirty="0">
-                <a:solidFill>
-                  <a:schemeClr val="bg1"/>
-                </a:solidFill>
-                <a:ea typeface="+mn-lt"/>
-                <a:cs typeface="+mn-lt"/>
-              </a:rPr>
-              <a:t> do </a:t>
-            </a:r>
-            <a:r>
-              <a:rPr lang="de-DE" dirty="0" err="1">
-                <a:solidFill>
-                  <a:schemeClr val="bg1"/>
-                </a:solidFill>
-                <a:ea typeface="+mn-lt"/>
-                <a:cs typeface="+mn-lt"/>
-              </a:rPr>
-              <a:t>testador</a:t>
-            </a:r>
-            <a:r>
-              <a:rPr lang="de-DE" dirty="0">
-                <a:solidFill>
-                  <a:schemeClr val="bg1"/>
-                </a:solidFill>
-                <a:ea typeface="+mn-lt"/>
-                <a:cs typeface="+mn-lt"/>
-              </a:rPr>
-              <a:t>.”</a:t>
-            </a:r>
-            <a:endParaRPr lang="pt-BR" dirty="0">
-              <a:solidFill>
-                <a:schemeClr val="bg1"/>
-              </a:solidFill>
-              <a:ea typeface="+mn-lt"/>
-              <a:cs typeface="+mn-lt"/>
-            </a:endParaRPr>
-          </a:p>
-          <a:p>
+              <a:t>Segundo Braga e Pretz, baseia-se no conhecimento e habilidade do profissional.</a:t>
+            </a:r>
             <a:endParaRPr lang="de-DE" dirty="0">
               <a:solidFill>
                 <a:schemeClr val="bg1"/>
@@ -8154,895 +7168,65 @@
         </p:spPr>
         <p:txBody>
           <a:bodyPr vert="horz" lIns="91440" tIns="45720" rIns="91440" bIns="45720" rtlCol="0" anchor="t">
-            <a:normAutofit lnSpcReduction="10000"/>
+            <a:normAutofit/>
           </a:bodyPr>
           <a:lstStyle/>
           <a:p>
-            <a:endParaRPr lang="pt-BR"/>
-          </a:p>
-          <a:p>
-            <a:endParaRPr lang="de-DE"/>
-          </a:p>
-          <a:p>
-            <a:r>
-              <a:rPr lang="de-DE" sz="2800" dirty="0" err="1">
+            <a:endParaRPr lang="pt-BR" dirty="0"/>
+          </a:p>
+          <a:p>
+            <a:r>
+              <a:rPr lang="pt-BR" dirty="0">
                 <a:solidFill>
                   <a:schemeClr val="bg1"/>
                 </a:solidFill>
-                <a:ea typeface="+mn-lt"/>
-                <a:cs typeface="+mn-lt"/>
               </a:rPr>
-              <a:t>Serão</a:t>
-            </a:r>
-            <a:r>
-              <a:rPr lang="de-DE" sz="2800" dirty="0">
+              <a:t>Serão discutidos conceitos, técnicas e desafios dos testes exploratórios.</a:t>
+            </a:r>
+            <a:br>
+              <a:rPr lang="pt-BR" dirty="0">
                 <a:solidFill>
                   <a:schemeClr val="bg1"/>
                 </a:solidFill>
-                <a:ea typeface="+mn-lt"/>
-                <a:cs typeface="+mn-lt"/>
               </a:rPr>
-              <a:t> </a:t>
-            </a:r>
-            <a:r>
-              <a:rPr lang="de-DE" sz="2800" dirty="0" err="1">
+            </a:br>
+            <a:r>
+              <a:rPr lang="pt-BR" dirty="0">
                 <a:solidFill>
                   <a:schemeClr val="bg1"/>
                 </a:solidFill>
-                <a:ea typeface="+mn-lt"/>
-                <a:cs typeface="+mn-lt"/>
               </a:rPr>
-              <a:t>apresentados</a:t>
-            </a:r>
-            <a:r>
-              <a:rPr lang="de-DE" sz="2800" dirty="0">
+              <a:t>O estudo aborda o estado da arte e compara com os testes ad-hoc.</a:t>
+            </a:r>
+            <a:br>
+              <a:rPr lang="pt-BR" dirty="0">
                 <a:solidFill>
                   <a:schemeClr val="bg1"/>
                 </a:solidFill>
-                <a:ea typeface="+mn-lt"/>
-                <a:cs typeface="+mn-lt"/>
               </a:rPr>
-              <a:t> </a:t>
-            </a:r>
-            <a:r>
-              <a:rPr lang="de-DE" sz="2800" dirty="0" err="1">
+            </a:br>
+            <a:r>
+              <a:rPr lang="pt-BR" dirty="0">
                 <a:solidFill>
                   <a:schemeClr val="bg1"/>
                 </a:solidFill>
-                <a:ea typeface="+mn-lt"/>
-                <a:cs typeface="+mn-lt"/>
               </a:rPr>
-              <a:t>os</a:t>
-            </a:r>
-            <a:r>
-              <a:rPr lang="de-DE" sz="2800" dirty="0">
+              <a:t>Também analisa a relevância dos testes exploratórios em metodologias ágeis.</a:t>
+            </a:r>
+            <a:br>
+              <a:rPr lang="pt-BR" dirty="0">
                 <a:solidFill>
                   <a:schemeClr val="bg1"/>
                 </a:solidFill>
-                <a:ea typeface="+mn-lt"/>
-                <a:cs typeface="+mn-lt"/>
               </a:rPr>
-              <a:t> </a:t>
-            </a:r>
-            <a:r>
-              <a:rPr lang="de-DE" sz="2800" dirty="0" err="1">
+            </a:br>
+            <a:r>
+              <a:rPr lang="pt-BR" dirty="0">
                 <a:solidFill>
                   <a:schemeClr val="bg1"/>
                 </a:solidFill>
-                <a:ea typeface="+mn-lt"/>
-                <a:cs typeface="+mn-lt"/>
               </a:rPr>
-              <a:t>principais</a:t>
-            </a:r>
-            <a:r>
-              <a:rPr lang="de-DE" sz="2800" dirty="0">
-                <a:solidFill>
-                  <a:schemeClr val="bg1"/>
-                </a:solidFill>
-                <a:ea typeface="+mn-lt"/>
-                <a:cs typeface="+mn-lt"/>
-              </a:rPr>
-              <a:t> </a:t>
-            </a:r>
-            <a:r>
-              <a:rPr lang="de-DE" sz="2800" dirty="0" err="1">
-                <a:solidFill>
-                  <a:schemeClr val="bg1"/>
-                </a:solidFill>
-                <a:ea typeface="+mn-lt"/>
-                <a:cs typeface="+mn-lt"/>
-              </a:rPr>
-              <a:t>conceitos</a:t>
-            </a:r>
-            <a:r>
-              <a:rPr lang="de-DE" sz="2800" dirty="0">
-                <a:solidFill>
-                  <a:schemeClr val="bg1"/>
-                </a:solidFill>
-                <a:ea typeface="+mn-lt"/>
-                <a:cs typeface="+mn-lt"/>
-              </a:rPr>
-              <a:t>, </a:t>
-            </a:r>
-            <a:r>
-              <a:rPr lang="de-DE" sz="2800" dirty="0" err="1">
-                <a:solidFill>
-                  <a:schemeClr val="bg1"/>
-                </a:solidFill>
-                <a:ea typeface="+mn-lt"/>
-                <a:cs typeface="+mn-lt"/>
-              </a:rPr>
-              <a:t>técnicas</a:t>
-            </a:r>
-            <a:r>
-              <a:rPr lang="de-DE" sz="2800" dirty="0">
-                <a:solidFill>
-                  <a:schemeClr val="bg1"/>
-                </a:solidFill>
-                <a:ea typeface="+mn-lt"/>
-                <a:cs typeface="+mn-lt"/>
-              </a:rPr>
-              <a:t> e </a:t>
-            </a:r>
-            <a:r>
-              <a:rPr lang="de-DE" sz="2800" dirty="0" err="1">
-                <a:solidFill>
-                  <a:schemeClr val="bg1"/>
-                </a:solidFill>
-                <a:ea typeface="+mn-lt"/>
-                <a:cs typeface="+mn-lt"/>
-              </a:rPr>
-              <a:t>dificuldades</a:t>
-            </a:r>
-            <a:r>
-              <a:rPr lang="de-DE" sz="2800" dirty="0">
-                <a:solidFill>
-                  <a:schemeClr val="bg1"/>
-                </a:solidFill>
-                <a:ea typeface="+mn-lt"/>
-                <a:cs typeface="+mn-lt"/>
-              </a:rPr>
-              <a:t> </a:t>
-            </a:r>
-            <a:r>
-              <a:rPr lang="de-DE" sz="2800" dirty="0" err="1">
-                <a:solidFill>
-                  <a:schemeClr val="bg1"/>
-                </a:solidFill>
-                <a:ea typeface="+mn-lt"/>
-                <a:cs typeface="+mn-lt"/>
-              </a:rPr>
-              <a:t>encontradas</a:t>
-            </a:r>
-            <a:r>
-              <a:rPr lang="de-DE" sz="2800" dirty="0">
-                <a:solidFill>
-                  <a:schemeClr val="bg1"/>
-                </a:solidFill>
-                <a:ea typeface="+mn-lt"/>
-                <a:cs typeface="+mn-lt"/>
-              </a:rPr>
-              <a:t> nos </a:t>
-            </a:r>
-            <a:r>
-              <a:rPr lang="de-DE" sz="2800" dirty="0" err="1">
-                <a:solidFill>
-                  <a:schemeClr val="bg1"/>
-                </a:solidFill>
-                <a:ea typeface="+mn-lt"/>
-                <a:cs typeface="+mn-lt"/>
-              </a:rPr>
-              <a:t>testes</a:t>
-            </a:r>
-            <a:r>
-              <a:rPr lang="de-DE" sz="2800" dirty="0">
-                <a:solidFill>
-                  <a:schemeClr val="bg1"/>
-                </a:solidFill>
-                <a:ea typeface="+mn-lt"/>
-                <a:cs typeface="+mn-lt"/>
-              </a:rPr>
-              <a:t> </a:t>
-            </a:r>
-            <a:r>
-              <a:rPr lang="de-DE" sz="2800" dirty="0" err="1">
-                <a:solidFill>
-                  <a:schemeClr val="bg1"/>
-                </a:solidFill>
-                <a:ea typeface="+mn-lt"/>
-                <a:cs typeface="+mn-lt"/>
-              </a:rPr>
-              <a:t>exploratórios</a:t>
-            </a:r>
-            <a:r>
-              <a:rPr lang="de-DE" sz="2800" dirty="0">
-                <a:solidFill>
-                  <a:schemeClr val="bg1"/>
-                </a:solidFill>
-                <a:ea typeface="+mn-lt"/>
-                <a:cs typeface="+mn-lt"/>
-              </a:rPr>
-              <a:t>. Para </a:t>
-            </a:r>
-            <a:r>
-              <a:rPr lang="de-DE" sz="2800" dirty="0" err="1">
-                <a:solidFill>
-                  <a:schemeClr val="bg1"/>
-                </a:solidFill>
-                <a:ea typeface="+mn-lt"/>
-                <a:cs typeface="+mn-lt"/>
-              </a:rPr>
-              <a:t>isso</a:t>
-            </a:r>
-            <a:r>
-              <a:rPr lang="de-DE" sz="2800" dirty="0">
-                <a:solidFill>
-                  <a:schemeClr val="bg1"/>
-                </a:solidFill>
-                <a:ea typeface="+mn-lt"/>
-                <a:cs typeface="+mn-lt"/>
-              </a:rPr>
-              <a:t>, </a:t>
-            </a:r>
-            <a:r>
-              <a:rPr lang="de-DE" sz="2800" dirty="0" err="1">
-                <a:solidFill>
-                  <a:schemeClr val="bg1"/>
-                </a:solidFill>
-                <a:ea typeface="+mn-lt"/>
-                <a:cs typeface="+mn-lt"/>
-              </a:rPr>
-              <a:t>inicialmente</a:t>
-            </a:r>
-            <a:r>
-              <a:rPr lang="de-DE" sz="2800" dirty="0">
-                <a:solidFill>
-                  <a:schemeClr val="bg1"/>
-                </a:solidFill>
-                <a:ea typeface="+mn-lt"/>
-                <a:cs typeface="+mn-lt"/>
-              </a:rPr>
-              <a:t> </a:t>
-            </a:r>
-            <a:r>
-              <a:rPr lang="de-DE" sz="2800" dirty="0" err="1">
-                <a:solidFill>
-                  <a:schemeClr val="bg1"/>
-                </a:solidFill>
-                <a:ea typeface="+mn-lt"/>
-                <a:cs typeface="+mn-lt"/>
-              </a:rPr>
-              <a:t>teremos</a:t>
-            </a:r>
-            <a:r>
-              <a:rPr lang="de-DE" sz="2800" dirty="0">
-                <a:solidFill>
-                  <a:schemeClr val="bg1"/>
-                </a:solidFill>
-                <a:ea typeface="+mn-lt"/>
-                <a:cs typeface="+mn-lt"/>
-              </a:rPr>
-              <a:t> </a:t>
-            </a:r>
-            <a:r>
-              <a:rPr lang="de-DE" sz="2800" dirty="0" err="1">
-                <a:solidFill>
-                  <a:schemeClr val="bg1"/>
-                </a:solidFill>
-                <a:ea typeface="+mn-lt"/>
-                <a:cs typeface="+mn-lt"/>
-              </a:rPr>
-              <a:t>uma</a:t>
-            </a:r>
-            <a:r>
-              <a:rPr lang="de-DE" sz="2800" dirty="0">
-                <a:solidFill>
-                  <a:schemeClr val="bg1"/>
-                </a:solidFill>
-                <a:ea typeface="+mn-lt"/>
-                <a:cs typeface="+mn-lt"/>
-              </a:rPr>
-              <a:t> </a:t>
-            </a:r>
-            <a:r>
-              <a:rPr lang="de-DE" sz="2800" dirty="0" err="1">
-                <a:solidFill>
-                  <a:schemeClr val="bg1"/>
-                </a:solidFill>
-                <a:ea typeface="+mn-lt"/>
-                <a:cs typeface="+mn-lt"/>
-              </a:rPr>
-              <a:t>discussão</a:t>
-            </a:r>
-            <a:r>
-              <a:rPr lang="de-DE" sz="2800" dirty="0">
-                <a:solidFill>
-                  <a:schemeClr val="bg1"/>
-                </a:solidFill>
-                <a:ea typeface="+mn-lt"/>
-                <a:cs typeface="+mn-lt"/>
-              </a:rPr>
-              <a:t> </a:t>
-            </a:r>
-            <a:r>
-              <a:rPr lang="de-DE" sz="2800" dirty="0" err="1">
-                <a:solidFill>
-                  <a:schemeClr val="bg1"/>
-                </a:solidFill>
-                <a:ea typeface="+mn-lt"/>
-                <a:cs typeface="+mn-lt"/>
-              </a:rPr>
-              <a:t>sobre</a:t>
-            </a:r>
-            <a:r>
-              <a:rPr lang="de-DE" sz="2800" dirty="0">
-                <a:solidFill>
-                  <a:schemeClr val="bg1"/>
-                </a:solidFill>
-                <a:ea typeface="+mn-lt"/>
-                <a:cs typeface="+mn-lt"/>
-              </a:rPr>
-              <a:t> o </a:t>
-            </a:r>
-            <a:r>
-              <a:rPr lang="de-DE" sz="2800" dirty="0" err="1">
-                <a:solidFill>
-                  <a:schemeClr val="bg1"/>
-                </a:solidFill>
-                <a:ea typeface="+mn-lt"/>
-                <a:cs typeface="+mn-lt"/>
-              </a:rPr>
-              <a:t>estado</a:t>
-            </a:r>
-            <a:r>
-              <a:rPr lang="de-DE" sz="2800" dirty="0">
-                <a:solidFill>
-                  <a:schemeClr val="bg1"/>
-                </a:solidFill>
-                <a:ea typeface="+mn-lt"/>
-                <a:cs typeface="+mn-lt"/>
-              </a:rPr>
-              <a:t> da arte de </a:t>
-            </a:r>
-            <a:r>
-              <a:rPr lang="de-DE" sz="2800" dirty="0" err="1">
-                <a:solidFill>
-                  <a:schemeClr val="bg1"/>
-                </a:solidFill>
-                <a:ea typeface="+mn-lt"/>
-                <a:cs typeface="+mn-lt"/>
-              </a:rPr>
-              <a:t>testes</a:t>
-            </a:r>
-            <a:r>
-              <a:rPr lang="de-DE" sz="2800" dirty="0">
-                <a:solidFill>
-                  <a:schemeClr val="bg1"/>
-                </a:solidFill>
-                <a:ea typeface="+mn-lt"/>
-                <a:cs typeface="+mn-lt"/>
-              </a:rPr>
-              <a:t> </a:t>
-            </a:r>
-            <a:r>
-              <a:rPr lang="de-DE" sz="2800" dirty="0" err="1">
-                <a:solidFill>
-                  <a:schemeClr val="bg1"/>
-                </a:solidFill>
-                <a:ea typeface="+mn-lt"/>
-                <a:cs typeface="+mn-lt"/>
-              </a:rPr>
-              <a:t>exploratórios</a:t>
-            </a:r>
-            <a:r>
-              <a:rPr lang="de-DE" sz="2800" dirty="0">
-                <a:solidFill>
-                  <a:schemeClr val="bg1"/>
-                </a:solidFill>
-                <a:ea typeface="+mn-lt"/>
-                <a:cs typeface="+mn-lt"/>
-              </a:rPr>
-              <a:t>. </a:t>
-            </a:r>
-            <a:r>
-              <a:rPr lang="de-DE" sz="2800" dirty="0" err="1">
-                <a:solidFill>
-                  <a:schemeClr val="bg1"/>
-                </a:solidFill>
-                <a:ea typeface="+mn-lt"/>
-                <a:cs typeface="+mn-lt"/>
-              </a:rPr>
-              <a:t>Em</a:t>
-            </a:r>
-            <a:r>
-              <a:rPr lang="de-DE" sz="2800" dirty="0">
-                <a:solidFill>
-                  <a:schemeClr val="bg1"/>
-                </a:solidFill>
-                <a:ea typeface="+mn-lt"/>
-                <a:cs typeface="+mn-lt"/>
-              </a:rPr>
-              <a:t> </a:t>
-            </a:r>
-            <a:r>
-              <a:rPr lang="de-DE" sz="2800" dirty="0" err="1">
-                <a:solidFill>
-                  <a:schemeClr val="bg1"/>
-                </a:solidFill>
-                <a:ea typeface="+mn-lt"/>
-                <a:cs typeface="+mn-lt"/>
-              </a:rPr>
-              <a:t>seguida</a:t>
-            </a:r>
-            <a:r>
-              <a:rPr lang="de-DE" sz="2800" dirty="0">
-                <a:solidFill>
-                  <a:schemeClr val="bg1"/>
-                </a:solidFill>
-                <a:ea typeface="+mn-lt"/>
-                <a:cs typeface="+mn-lt"/>
-              </a:rPr>
-              <a:t> é </a:t>
-            </a:r>
-            <a:r>
-              <a:rPr lang="de-DE" sz="2800" dirty="0" err="1">
-                <a:solidFill>
-                  <a:schemeClr val="bg1"/>
-                </a:solidFill>
-                <a:ea typeface="+mn-lt"/>
-                <a:cs typeface="+mn-lt"/>
-              </a:rPr>
-              <a:t>apresentado</a:t>
-            </a:r>
-            <a:r>
-              <a:rPr lang="de-DE" sz="2800" dirty="0">
-                <a:solidFill>
-                  <a:schemeClr val="bg1"/>
-                </a:solidFill>
-                <a:ea typeface="+mn-lt"/>
-                <a:cs typeface="+mn-lt"/>
-              </a:rPr>
-              <a:t> um </a:t>
-            </a:r>
-            <a:r>
-              <a:rPr lang="de-DE" sz="2800" dirty="0" err="1">
-                <a:solidFill>
-                  <a:schemeClr val="bg1"/>
-                </a:solidFill>
-                <a:ea typeface="+mn-lt"/>
-                <a:cs typeface="+mn-lt"/>
-              </a:rPr>
-              <a:t>estudo</a:t>
-            </a:r>
-            <a:r>
-              <a:rPr lang="de-DE" sz="2800" dirty="0">
-                <a:solidFill>
-                  <a:schemeClr val="bg1"/>
-                </a:solidFill>
-                <a:ea typeface="+mn-lt"/>
-                <a:cs typeface="+mn-lt"/>
-              </a:rPr>
-              <a:t> </a:t>
-            </a:r>
-            <a:r>
-              <a:rPr lang="de-DE" sz="2800" dirty="0" err="1">
-                <a:solidFill>
-                  <a:schemeClr val="bg1"/>
-                </a:solidFill>
-                <a:ea typeface="+mn-lt"/>
-                <a:cs typeface="+mn-lt"/>
-              </a:rPr>
-              <a:t>comparativo</a:t>
-            </a:r>
-            <a:r>
-              <a:rPr lang="de-DE" sz="2800" dirty="0">
-                <a:solidFill>
-                  <a:schemeClr val="bg1"/>
-                </a:solidFill>
-                <a:ea typeface="+mn-lt"/>
-                <a:cs typeface="+mn-lt"/>
-              </a:rPr>
-              <a:t> entre </a:t>
-            </a:r>
-            <a:r>
-              <a:rPr lang="de-DE" sz="2800" dirty="0" err="1">
-                <a:solidFill>
-                  <a:schemeClr val="bg1"/>
-                </a:solidFill>
-                <a:ea typeface="+mn-lt"/>
-                <a:cs typeface="+mn-lt"/>
-              </a:rPr>
-              <a:t>testes</a:t>
-            </a:r>
-            <a:r>
-              <a:rPr lang="de-DE" sz="2800" dirty="0">
-                <a:solidFill>
-                  <a:schemeClr val="bg1"/>
-                </a:solidFill>
-                <a:ea typeface="+mn-lt"/>
-                <a:cs typeface="+mn-lt"/>
-              </a:rPr>
-              <a:t> </a:t>
-            </a:r>
-            <a:r>
-              <a:rPr lang="de-DE" sz="2800" dirty="0" err="1">
-                <a:solidFill>
-                  <a:schemeClr val="bg1"/>
-                </a:solidFill>
-                <a:ea typeface="+mn-lt"/>
-                <a:cs typeface="+mn-lt"/>
-              </a:rPr>
-              <a:t>exploratórios</a:t>
-            </a:r>
-            <a:r>
-              <a:rPr lang="de-DE" sz="2800" dirty="0">
-                <a:solidFill>
-                  <a:schemeClr val="bg1"/>
-                </a:solidFill>
-                <a:ea typeface="+mn-lt"/>
-                <a:cs typeface="+mn-lt"/>
-              </a:rPr>
-              <a:t> e </a:t>
-            </a:r>
-            <a:r>
-              <a:rPr lang="de-DE" sz="2800" dirty="0" err="1">
-                <a:solidFill>
-                  <a:schemeClr val="bg1"/>
-                </a:solidFill>
-                <a:ea typeface="+mn-lt"/>
-                <a:cs typeface="+mn-lt"/>
-              </a:rPr>
-              <a:t>testes</a:t>
-            </a:r>
-            <a:r>
-              <a:rPr lang="de-DE" sz="2800" dirty="0">
-                <a:solidFill>
-                  <a:schemeClr val="bg1"/>
-                </a:solidFill>
-                <a:ea typeface="+mn-lt"/>
-                <a:cs typeface="+mn-lt"/>
-              </a:rPr>
-              <a:t> ad-hoc. </a:t>
-            </a:r>
-            <a:r>
-              <a:rPr lang="de-DE" sz="2800" dirty="0" err="1">
-                <a:solidFill>
-                  <a:schemeClr val="bg1"/>
-                </a:solidFill>
-                <a:ea typeface="+mn-lt"/>
-                <a:cs typeface="+mn-lt"/>
-              </a:rPr>
-              <a:t>Dando</a:t>
-            </a:r>
-            <a:r>
-              <a:rPr lang="de-DE" sz="2800" dirty="0">
-                <a:solidFill>
-                  <a:schemeClr val="bg1"/>
-                </a:solidFill>
-                <a:ea typeface="+mn-lt"/>
-                <a:cs typeface="+mn-lt"/>
-              </a:rPr>
-              <a:t> </a:t>
-            </a:r>
-            <a:r>
-              <a:rPr lang="de-DE" sz="2800" dirty="0" err="1">
-                <a:solidFill>
-                  <a:schemeClr val="bg1"/>
-                </a:solidFill>
-                <a:ea typeface="+mn-lt"/>
-                <a:cs typeface="+mn-lt"/>
-              </a:rPr>
-              <a:t>prosseguimento</a:t>
-            </a:r>
-            <a:r>
-              <a:rPr lang="de-DE" sz="2800" dirty="0">
-                <a:solidFill>
-                  <a:schemeClr val="bg1"/>
-                </a:solidFill>
-                <a:ea typeface="+mn-lt"/>
-                <a:cs typeface="+mn-lt"/>
-              </a:rPr>
-              <a:t> à </a:t>
-            </a:r>
-            <a:r>
-              <a:rPr lang="de-DE" sz="2800" dirty="0" err="1">
-                <a:solidFill>
-                  <a:schemeClr val="bg1"/>
-                </a:solidFill>
-                <a:ea typeface="+mn-lt"/>
-                <a:cs typeface="+mn-lt"/>
-              </a:rPr>
-              <a:t>discussão</a:t>
-            </a:r>
-            <a:r>
-              <a:rPr lang="de-DE" sz="2800" dirty="0">
-                <a:solidFill>
-                  <a:schemeClr val="bg1"/>
-                </a:solidFill>
-                <a:ea typeface="+mn-lt"/>
-                <a:cs typeface="+mn-lt"/>
-              </a:rPr>
-              <a:t>, </a:t>
-            </a:r>
-            <a:r>
-              <a:rPr lang="de-DE" sz="2800" dirty="0" err="1">
-                <a:solidFill>
-                  <a:schemeClr val="bg1"/>
-                </a:solidFill>
-                <a:ea typeface="+mn-lt"/>
-                <a:cs typeface="+mn-lt"/>
-              </a:rPr>
-              <a:t>abordaremos</a:t>
-            </a:r>
-            <a:r>
-              <a:rPr lang="de-DE" sz="2800" dirty="0">
-                <a:solidFill>
-                  <a:schemeClr val="bg1"/>
-                </a:solidFill>
-                <a:ea typeface="+mn-lt"/>
-                <a:cs typeface="+mn-lt"/>
-              </a:rPr>
-              <a:t> a </a:t>
-            </a:r>
-            <a:r>
-              <a:rPr lang="de-DE" sz="2800" dirty="0" err="1">
-                <a:solidFill>
-                  <a:schemeClr val="bg1"/>
-                </a:solidFill>
-                <a:ea typeface="+mn-lt"/>
-                <a:cs typeface="+mn-lt"/>
-              </a:rPr>
-              <a:t>importância</a:t>
-            </a:r>
-            <a:r>
-              <a:rPr lang="de-DE" sz="2800" dirty="0">
-                <a:solidFill>
-                  <a:schemeClr val="bg1"/>
-                </a:solidFill>
-                <a:ea typeface="+mn-lt"/>
-                <a:cs typeface="+mn-lt"/>
-              </a:rPr>
-              <a:t> de </a:t>
-            </a:r>
-            <a:r>
-              <a:rPr lang="de-DE" sz="2800" dirty="0" err="1">
-                <a:solidFill>
-                  <a:schemeClr val="bg1"/>
-                </a:solidFill>
-                <a:ea typeface="+mn-lt"/>
-                <a:cs typeface="+mn-lt"/>
-              </a:rPr>
-              <a:t>testes</a:t>
-            </a:r>
-            <a:r>
-              <a:rPr lang="de-DE" sz="2800" dirty="0">
-                <a:solidFill>
-                  <a:schemeClr val="bg1"/>
-                </a:solidFill>
-                <a:ea typeface="+mn-lt"/>
-                <a:cs typeface="+mn-lt"/>
-              </a:rPr>
-              <a:t> </a:t>
-            </a:r>
-            <a:r>
-              <a:rPr lang="de-DE" sz="2800" dirty="0" err="1">
-                <a:solidFill>
-                  <a:schemeClr val="bg1"/>
-                </a:solidFill>
-                <a:ea typeface="+mn-lt"/>
-                <a:cs typeface="+mn-lt"/>
-              </a:rPr>
-              <a:t>exploratórios</a:t>
-            </a:r>
-            <a:r>
-              <a:rPr lang="de-DE" sz="2800" dirty="0">
-                <a:solidFill>
-                  <a:schemeClr val="bg1"/>
-                </a:solidFill>
-                <a:ea typeface="+mn-lt"/>
-                <a:cs typeface="+mn-lt"/>
-              </a:rPr>
-              <a:t> </a:t>
-            </a:r>
-            <a:r>
-              <a:rPr lang="de-DE" sz="2800" dirty="0" err="1">
-                <a:solidFill>
-                  <a:schemeClr val="bg1"/>
-                </a:solidFill>
-                <a:ea typeface="+mn-lt"/>
-                <a:cs typeface="+mn-lt"/>
-              </a:rPr>
-              <a:t>em</a:t>
-            </a:r>
-            <a:r>
-              <a:rPr lang="de-DE" sz="2800" dirty="0">
-                <a:solidFill>
-                  <a:schemeClr val="bg1"/>
-                </a:solidFill>
-                <a:ea typeface="+mn-lt"/>
-                <a:cs typeface="+mn-lt"/>
-              </a:rPr>
-              <a:t> </a:t>
-            </a:r>
-            <a:r>
-              <a:rPr lang="de-DE" sz="2800" dirty="0" err="1">
-                <a:solidFill>
-                  <a:schemeClr val="bg1"/>
-                </a:solidFill>
-                <a:ea typeface="+mn-lt"/>
-                <a:cs typeface="+mn-lt"/>
-              </a:rPr>
-              <a:t>metodologias</a:t>
-            </a:r>
-            <a:r>
-              <a:rPr lang="de-DE" sz="2800" dirty="0">
-                <a:solidFill>
-                  <a:schemeClr val="bg1"/>
-                </a:solidFill>
-                <a:ea typeface="+mn-lt"/>
-                <a:cs typeface="+mn-lt"/>
-              </a:rPr>
-              <a:t> </a:t>
-            </a:r>
-            <a:r>
-              <a:rPr lang="de-DE" sz="2800" dirty="0" err="1">
-                <a:solidFill>
-                  <a:schemeClr val="bg1"/>
-                </a:solidFill>
-                <a:ea typeface="+mn-lt"/>
-                <a:cs typeface="+mn-lt"/>
-              </a:rPr>
-              <a:t>ágeis</a:t>
-            </a:r>
-            <a:r>
-              <a:rPr lang="de-DE" sz="2800" dirty="0">
-                <a:solidFill>
-                  <a:schemeClr val="bg1"/>
-                </a:solidFill>
-                <a:ea typeface="+mn-lt"/>
-                <a:cs typeface="+mn-lt"/>
-              </a:rPr>
-              <a:t> e, </a:t>
-            </a:r>
-            <a:r>
-              <a:rPr lang="de-DE" sz="2800" dirty="0" err="1">
-                <a:solidFill>
-                  <a:schemeClr val="bg1"/>
-                </a:solidFill>
-                <a:ea typeface="+mn-lt"/>
-                <a:cs typeface="+mn-lt"/>
-              </a:rPr>
-              <a:t>por</a:t>
-            </a:r>
-            <a:r>
-              <a:rPr lang="de-DE" sz="2800" dirty="0">
-                <a:solidFill>
-                  <a:schemeClr val="bg1"/>
-                </a:solidFill>
-                <a:ea typeface="+mn-lt"/>
-                <a:cs typeface="+mn-lt"/>
-              </a:rPr>
-              <a:t> </a:t>
-            </a:r>
-            <a:r>
-              <a:rPr lang="de-DE" sz="2800" dirty="0" err="1">
-                <a:solidFill>
-                  <a:schemeClr val="bg1"/>
-                </a:solidFill>
-                <a:ea typeface="+mn-lt"/>
-                <a:cs typeface="+mn-lt"/>
-              </a:rPr>
-              <a:t>fim</a:t>
-            </a:r>
-            <a:r>
-              <a:rPr lang="de-DE" sz="2800" dirty="0">
-                <a:solidFill>
-                  <a:schemeClr val="bg1"/>
-                </a:solidFill>
-                <a:ea typeface="+mn-lt"/>
-                <a:cs typeface="+mn-lt"/>
-              </a:rPr>
-              <a:t>, </a:t>
-            </a:r>
-            <a:r>
-              <a:rPr lang="de-DE" sz="2800" dirty="0" err="1">
-                <a:solidFill>
-                  <a:schemeClr val="bg1"/>
-                </a:solidFill>
-                <a:ea typeface="+mn-lt"/>
-                <a:cs typeface="+mn-lt"/>
-              </a:rPr>
-              <a:t>algumas</a:t>
-            </a:r>
-            <a:r>
-              <a:rPr lang="de-DE" sz="2800" dirty="0">
-                <a:solidFill>
-                  <a:schemeClr val="bg1"/>
-                </a:solidFill>
-                <a:ea typeface="+mn-lt"/>
-                <a:cs typeface="+mn-lt"/>
-              </a:rPr>
-              <a:t> </a:t>
-            </a:r>
-            <a:r>
-              <a:rPr lang="de-DE" sz="2800" dirty="0" err="1">
-                <a:solidFill>
-                  <a:schemeClr val="bg1"/>
-                </a:solidFill>
-                <a:ea typeface="+mn-lt"/>
-                <a:cs typeface="+mn-lt"/>
-              </a:rPr>
-              <a:t>conclusões</a:t>
-            </a:r>
-            <a:r>
-              <a:rPr lang="de-DE" sz="2800" dirty="0">
-                <a:solidFill>
-                  <a:schemeClr val="bg1"/>
-                </a:solidFill>
-                <a:ea typeface="+mn-lt"/>
-                <a:cs typeface="+mn-lt"/>
-              </a:rPr>
-              <a:t> </a:t>
-            </a:r>
-            <a:r>
-              <a:rPr lang="de-DE" sz="2800" dirty="0" err="1">
-                <a:solidFill>
-                  <a:schemeClr val="bg1"/>
-                </a:solidFill>
-                <a:ea typeface="+mn-lt"/>
-                <a:cs typeface="+mn-lt"/>
-              </a:rPr>
-              <a:t>gerais</a:t>
-            </a:r>
-            <a:r>
-              <a:rPr lang="de-DE" sz="2800" dirty="0">
-                <a:solidFill>
-                  <a:schemeClr val="bg1"/>
-                </a:solidFill>
-                <a:ea typeface="+mn-lt"/>
-                <a:cs typeface="+mn-lt"/>
-              </a:rPr>
-              <a:t> </a:t>
-            </a:r>
-            <a:r>
-              <a:rPr lang="de-DE" sz="2800" dirty="0" err="1">
-                <a:solidFill>
-                  <a:schemeClr val="bg1"/>
-                </a:solidFill>
-                <a:ea typeface="+mn-lt"/>
-                <a:cs typeface="+mn-lt"/>
-              </a:rPr>
-              <a:t>são</a:t>
-            </a:r>
-            <a:r>
-              <a:rPr lang="de-DE" sz="2800" dirty="0">
-                <a:solidFill>
-                  <a:schemeClr val="bg1"/>
-                </a:solidFill>
-                <a:ea typeface="+mn-lt"/>
-                <a:cs typeface="+mn-lt"/>
-              </a:rPr>
-              <a:t> </a:t>
-            </a:r>
-            <a:r>
-              <a:rPr lang="de-DE" sz="2800" dirty="0" err="1">
-                <a:solidFill>
-                  <a:schemeClr val="bg1"/>
-                </a:solidFill>
-                <a:ea typeface="+mn-lt"/>
-                <a:cs typeface="+mn-lt"/>
-              </a:rPr>
-              <a:t>apresentadas</a:t>
-            </a:r>
-            <a:r>
-              <a:rPr lang="de-DE" sz="2800" dirty="0">
-                <a:solidFill>
-                  <a:schemeClr val="bg1"/>
-                </a:solidFill>
-                <a:ea typeface="+mn-lt"/>
-                <a:cs typeface="+mn-lt"/>
-              </a:rPr>
-              <a:t>.</a:t>
+              <a:t>Por fim, apresenta conclusões gerais sobre o tema.</a:t>
             </a:r>
             <a:endParaRPr lang="de-DE" dirty="0">
               <a:solidFill>
@@ -9923,817 +8107,77 @@
           <a:lstStyle/>
           <a:p>
             <a:r>
-              <a:rPr lang="de-DE" err="1">
+              <a:rPr lang="pt-BR" dirty="0">
                 <a:solidFill>
-                  <a:srgbClr val="FFFFFF"/>
+                  <a:schemeClr val="bg1"/>
                 </a:solidFill>
-                <a:ea typeface="+mn-lt"/>
-                <a:cs typeface="+mn-lt"/>
               </a:rPr>
-              <a:t>Percebe</a:t>
-            </a:r>
-            <a:r>
-              <a:rPr lang="de-DE">
+              <a:t>Os testes exploratórios são comuns em projetos sem documentação detalhada.</a:t>
+            </a:r>
+            <a:br>
+              <a:rPr lang="pt-BR" dirty="0">
                 <a:solidFill>
-                  <a:srgbClr val="FFFFFF"/>
+                  <a:schemeClr val="bg1"/>
                 </a:solidFill>
-                <a:ea typeface="+mn-lt"/>
-                <a:cs typeface="+mn-lt"/>
               </a:rPr>
-              <a:t>-se </a:t>
-            </a:r>
-            <a:r>
-              <a:rPr lang="de-DE" err="1">
+            </a:br>
+            <a:r>
+              <a:rPr lang="pt-BR" dirty="0">
                 <a:solidFill>
-                  <a:srgbClr val="FFFFFF"/>
+                  <a:schemeClr val="bg1"/>
                 </a:solidFill>
-                <a:ea typeface="+mn-lt"/>
-                <a:cs typeface="+mn-lt"/>
               </a:rPr>
-              <a:t>geralmente</a:t>
-            </a:r>
-            <a:r>
-              <a:rPr lang="de-DE">
+              <a:t>São úteis em contextos ágeis ou com pouco conhecimento do sistema.</a:t>
+            </a:r>
+            <a:br>
+              <a:rPr lang="pt-BR" dirty="0">
                 <a:solidFill>
-                  <a:srgbClr val="FFFFFF"/>
+                  <a:schemeClr val="bg1"/>
                 </a:solidFill>
-                <a:ea typeface="+mn-lt"/>
-                <a:cs typeface="+mn-lt"/>
               </a:rPr>
-              <a:t> </a:t>
-            </a:r>
-            <a:r>
-              <a:rPr lang="de-DE" err="1">
+            </a:br>
+            <a:r>
+              <a:rPr lang="pt-BR" dirty="0">
                 <a:solidFill>
-                  <a:srgbClr val="FFFFFF"/>
+                  <a:schemeClr val="bg1"/>
                 </a:solidFill>
-                <a:ea typeface="+mn-lt"/>
-                <a:cs typeface="+mn-lt"/>
               </a:rPr>
-              <a:t>que</a:t>
-            </a:r>
-            <a:r>
-              <a:rPr lang="de-DE">
+              <a:t>Permitem descobrir funções, dados e áreas instáveis do produto.</a:t>
+            </a:r>
+            <a:br>
+              <a:rPr lang="pt-BR" dirty="0">
                 <a:solidFill>
-                  <a:srgbClr val="FFFFFF"/>
+                  <a:schemeClr val="bg1"/>
                 </a:solidFill>
-                <a:ea typeface="+mn-lt"/>
-                <a:cs typeface="+mn-lt"/>
               </a:rPr>
-              <a:t> o uso de testes exploratórios é presente em projetos sem documentação bem definida, ou projetos ágeis, onde não existem documentos formais de requisitos e quando não existe um conhecimento prévio sobre o aplicativo que será testado. Dentre as razões existentes para a realização de testes exploratórios, destacam-se as seguintes:</a:t>
-            </a:r>
-            <a:endParaRPr lang="pt-BR"/>
-          </a:p>
-          <a:p>
-            <a:endParaRPr lang="de-DE"/>
-          </a:p>
-          <a:p>
-            <a:r>
-              <a:rPr lang="de-DE" dirty="0" err="1">
+            </a:br>
+            <a:r>
+              <a:rPr lang="pt-BR" dirty="0">
                 <a:solidFill>
-                  <a:srgbClr val="FFFFFF"/>
+                  <a:schemeClr val="bg1"/>
                 </a:solidFill>
-                <a:ea typeface="+mn-lt"/>
-                <a:cs typeface="+mn-lt"/>
               </a:rPr>
-              <a:t>Exploração</a:t>
-            </a:r>
-            <a:r>
-              <a:rPr lang="de-DE" dirty="0">
+              <a:t>Sua eficácia depende </a:t>
+            </a:r>
+            <a:r>
+              <a:rPr lang="pt-BR" u="sng" dirty="0">
                 <a:solidFill>
-                  <a:srgbClr val="FFFFFF"/>
+                  <a:schemeClr val="bg1"/>
                 </a:solidFill>
-                <a:ea typeface="+mn-lt"/>
-                <a:cs typeface="+mn-lt"/>
               </a:rPr>
-              <a:t> do </a:t>
-            </a:r>
-            <a:r>
-              <a:rPr lang="de-DE" dirty="0" err="1">
+              <a:t>do</a:t>
+            </a:r>
+            <a:r>
+              <a:rPr lang="pt-BR" dirty="0">
                 <a:solidFill>
-                  <a:srgbClr val="FFFFFF"/>
+                  <a:schemeClr val="bg1"/>
                 </a:solidFill>
-                <a:ea typeface="+mn-lt"/>
-                <a:cs typeface="+mn-lt"/>
               </a:rPr>
-              <a:t>produto</a:t>
-            </a:r>
-            <a:r>
-              <a:rPr lang="de-DE" dirty="0">
-                <a:solidFill>
-                  <a:srgbClr val="FFFFFF"/>
-                </a:solidFill>
-                <a:ea typeface="+mn-lt"/>
-                <a:cs typeface="+mn-lt"/>
-              </a:rPr>
-              <a:t>: </a:t>
-            </a:r>
-            <a:r>
-              <a:rPr lang="de-DE" dirty="0" err="1">
-                <a:solidFill>
-                  <a:srgbClr val="FFFFFF"/>
-                </a:solidFill>
-                <a:ea typeface="+mn-lt"/>
-                <a:cs typeface="+mn-lt"/>
-              </a:rPr>
-              <a:t>Descobrir</a:t>
-            </a:r>
-            <a:r>
-              <a:rPr lang="de-DE" dirty="0">
-                <a:solidFill>
-                  <a:srgbClr val="FFFFFF"/>
-                </a:solidFill>
-                <a:ea typeface="+mn-lt"/>
-                <a:cs typeface="+mn-lt"/>
-              </a:rPr>
-              <a:t> e </a:t>
-            </a:r>
-            <a:r>
-              <a:rPr lang="de-DE" dirty="0" err="1">
-                <a:solidFill>
-                  <a:srgbClr val="FFFFFF"/>
-                </a:solidFill>
-                <a:ea typeface="+mn-lt"/>
-                <a:cs typeface="+mn-lt"/>
-              </a:rPr>
-              <a:t>registrar</a:t>
-            </a:r>
-            <a:r>
-              <a:rPr lang="de-DE" dirty="0">
-                <a:solidFill>
-                  <a:srgbClr val="FFFFFF"/>
-                </a:solidFill>
-                <a:ea typeface="+mn-lt"/>
-                <a:cs typeface="+mn-lt"/>
-              </a:rPr>
-              <a:t> </a:t>
-            </a:r>
-            <a:r>
-              <a:rPr lang="de-DE" dirty="0" err="1">
-                <a:solidFill>
-                  <a:srgbClr val="FFFFFF"/>
-                </a:solidFill>
-                <a:ea typeface="+mn-lt"/>
-                <a:cs typeface="+mn-lt"/>
-              </a:rPr>
-              <a:t>os</a:t>
-            </a:r>
-            <a:r>
-              <a:rPr lang="de-DE" dirty="0">
-                <a:solidFill>
-                  <a:srgbClr val="FFFFFF"/>
-                </a:solidFill>
-                <a:ea typeface="+mn-lt"/>
-                <a:cs typeface="+mn-lt"/>
-              </a:rPr>
-              <a:t> </a:t>
-            </a:r>
-            <a:r>
-              <a:rPr lang="de-DE" dirty="0" err="1">
-                <a:solidFill>
-                  <a:srgbClr val="FFFFFF"/>
-                </a:solidFill>
-                <a:ea typeface="+mn-lt"/>
-                <a:cs typeface="+mn-lt"/>
-              </a:rPr>
-              <a:t>objetivos</a:t>
-            </a:r>
-            <a:r>
-              <a:rPr lang="de-DE" dirty="0">
-                <a:solidFill>
-                  <a:srgbClr val="FFFFFF"/>
-                </a:solidFill>
-                <a:ea typeface="+mn-lt"/>
-                <a:cs typeface="+mn-lt"/>
-              </a:rPr>
-              <a:t> e </a:t>
-            </a:r>
-            <a:r>
-              <a:rPr lang="de-DE" dirty="0" err="1">
-                <a:solidFill>
-                  <a:srgbClr val="FFFFFF"/>
-                </a:solidFill>
-                <a:ea typeface="+mn-lt"/>
-                <a:cs typeface="+mn-lt"/>
-              </a:rPr>
-              <a:t>funções</a:t>
-            </a:r>
-            <a:r>
-              <a:rPr lang="de-DE" dirty="0">
-                <a:solidFill>
-                  <a:srgbClr val="FFFFFF"/>
-                </a:solidFill>
-                <a:ea typeface="+mn-lt"/>
-                <a:cs typeface="+mn-lt"/>
-              </a:rPr>
-              <a:t> do </a:t>
-            </a:r>
-            <a:r>
-              <a:rPr lang="de-DE" dirty="0" err="1">
-                <a:solidFill>
-                  <a:srgbClr val="FFFFFF"/>
-                </a:solidFill>
-                <a:ea typeface="+mn-lt"/>
-                <a:cs typeface="+mn-lt"/>
-              </a:rPr>
-              <a:t>produto</a:t>
-            </a:r>
-            <a:r>
-              <a:rPr lang="de-DE" dirty="0">
-                <a:solidFill>
-                  <a:srgbClr val="FFFFFF"/>
-                </a:solidFill>
-                <a:ea typeface="+mn-lt"/>
-                <a:cs typeface="+mn-lt"/>
-              </a:rPr>
-              <a:t>, </a:t>
-            </a:r>
-            <a:r>
-              <a:rPr lang="de-DE" dirty="0" err="1">
-                <a:solidFill>
-                  <a:srgbClr val="FFFFFF"/>
-                </a:solidFill>
-                <a:ea typeface="+mn-lt"/>
-                <a:cs typeface="+mn-lt"/>
-              </a:rPr>
-              <a:t>tipos</a:t>
-            </a:r>
-            <a:r>
-              <a:rPr lang="de-DE" dirty="0">
-                <a:solidFill>
-                  <a:srgbClr val="FFFFFF"/>
-                </a:solidFill>
-                <a:ea typeface="+mn-lt"/>
-                <a:cs typeface="+mn-lt"/>
-              </a:rPr>
-              <a:t> de </a:t>
-            </a:r>
-            <a:r>
-              <a:rPr lang="de-DE" dirty="0" err="1">
-                <a:solidFill>
-                  <a:srgbClr val="FFFFFF"/>
-                </a:solidFill>
-                <a:ea typeface="+mn-lt"/>
-                <a:cs typeface="+mn-lt"/>
-              </a:rPr>
-              <a:t>dados</a:t>
-            </a:r>
-            <a:r>
-              <a:rPr lang="de-DE" dirty="0">
-                <a:solidFill>
-                  <a:srgbClr val="FFFFFF"/>
-                </a:solidFill>
-                <a:ea typeface="+mn-lt"/>
-                <a:cs typeface="+mn-lt"/>
-              </a:rPr>
-              <a:t> </a:t>
-            </a:r>
-            <a:r>
-              <a:rPr lang="de-DE" dirty="0" err="1">
-                <a:solidFill>
-                  <a:srgbClr val="FFFFFF"/>
-                </a:solidFill>
-                <a:ea typeface="+mn-lt"/>
-                <a:cs typeface="+mn-lt"/>
-              </a:rPr>
-              <a:t>processados</a:t>
-            </a:r>
-            <a:r>
-              <a:rPr lang="de-DE" dirty="0">
-                <a:solidFill>
-                  <a:srgbClr val="FFFFFF"/>
-                </a:solidFill>
-                <a:ea typeface="+mn-lt"/>
-                <a:cs typeface="+mn-lt"/>
-              </a:rPr>
-              <a:t> e </a:t>
-            </a:r>
-            <a:r>
-              <a:rPr lang="de-DE" dirty="0" err="1">
-                <a:solidFill>
-                  <a:srgbClr val="FFFFFF"/>
-                </a:solidFill>
-                <a:ea typeface="+mn-lt"/>
-                <a:cs typeface="+mn-lt"/>
-              </a:rPr>
-              <a:t>as</a:t>
-            </a:r>
-            <a:r>
-              <a:rPr lang="de-DE" dirty="0">
-                <a:solidFill>
-                  <a:srgbClr val="FFFFFF"/>
-                </a:solidFill>
-                <a:ea typeface="+mn-lt"/>
-                <a:cs typeface="+mn-lt"/>
-              </a:rPr>
-              <a:t> </a:t>
-            </a:r>
-            <a:r>
-              <a:rPr lang="de-DE" dirty="0" err="1">
-                <a:solidFill>
-                  <a:srgbClr val="FFFFFF"/>
-                </a:solidFill>
-                <a:ea typeface="+mn-lt"/>
-                <a:cs typeface="+mn-lt"/>
-              </a:rPr>
-              <a:t>áreas</a:t>
-            </a:r>
-            <a:r>
-              <a:rPr lang="de-DE" dirty="0">
-                <a:solidFill>
-                  <a:srgbClr val="FFFFFF"/>
-                </a:solidFill>
-                <a:ea typeface="+mn-lt"/>
-                <a:cs typeface="+mn-lt"/>
-              </a:rPr>
-              <a:t> de </a:t>
-            </a:r>
-            <a:r>
-              <a:rPr lang="de-DE" dirty="0" err="1">
-                <a:solidFill>
-                  <a:srgbClr val="FFFFFF"/>
-                </a:solidFill>
-                <a:ea typeface="+mn-lt"/>
-                <a:cs typeface="+mn-lt"/>
-              </a:rPr>
-              <a:t>instabilidade</a:t>
-            </a:r>
-            <a:r>
-              <a:rPr lang="de-DE" dirty="0">
-                <a:solidFill>
-                  <a:srgbClr val="FFFFFF"/>
-                </a:solidFill>
-                <a:ea typeface="+mn-lt"/>
-                <a:cs typeface="+mn-lt"/>
-              </a:rPr>
-              <a:t>. Sua </a:t>
-            </a:r>
-            <a:r>
-              <a:rPr lang="de-DE" dirty="0" err="1">
-                <a:solidFill>
-                  <a:srgbClr val="FFFFFF"/>
-                </a:solidFill>
-                <a:ea typeface="+mn-lt"/>
-                <a:cs typeface="+mn-lt"/>
-              </a:rPr>
-              <a:t>capacidade</a:t>
-            </a:r>
-            <a:r>
-              <a:rPr lang="de-DE" dirty="0">
-                <a:solidFill>
-                  <a:srgbClr val="FFFFFF"/>
-                </a:solidFill>
-                <a:ea typeface="+mn-lt"/>
-                <a:cs typeface="+mn-lt"/>
-              </a:rPr>
-              <a:t> de </a:t>
-            </a:r>
-            <a:r>
-              <a:rPr lang="de-DE" dirty="0" err="1">
-                <a:solidFill>
-                  <a:srgbClr val="FFFFFF"/>
-                </a:solidFill>
-                <a:ea typeface="+mn-lt"/>
-                <a:cs typeface="+mn-lt"/>
-              </a:rPr>
-              <a:t>realizar</a:t>
-            </a:r>
-            <a:r>
-              <a:rPr lang="de-DE" dirty="0">
-                <a:solidFill>
-                  <a:srgbClr val="FFFFFF"/>
-                </a:solidFill>
-                <a:ea typeface="+mn-lt"/>
-                <a:cs typeface="+mn-lt"/>
-              </a:rPr>
-              <a:t> </a:t>
-            </a:r>
-            <a:r>
-              <a:rPr lang="de-DE" dirty="0" err="1">
-                <a:solidFill>
-                  <a:srgbClr val="FFFFFF"/>
-                </a:solidFill>
-                <a:ea typeface="+mn-lt"/>
-                <a:cs typeface="+mn-lt"/>
-              </a:rPr>
-              <a:t>exploração</a:t>
-            </a:r>
-            <a:r>
-              <a:rPr lang="de-DE" dirty="0">
-                <a:solidFill>
-                  <a:srgbClr val="FFFFFF"/>
-                </a:solidFill>
-                <a:ea typeface="+mn-lt"/>
-                <a:cs typeface="+mn-lt"/>
-              </a:rPr>
-              <a:t> </a:t>
-            </a:r>
-            <a:r>
-              <a:rPr lang="de-DE" dirty="0" err="1">
-                <a:solidFill>
-                  <a:srgbClr val="FFFFFF"/>
-                </a:solidFill>
-                <a:ea typeface="+mn-lt"/>
-                <a:cs typeface="+mn-lt"/>
-              </a:rPr>
-              <a:t>depende</a:t>
-            </a:r>
-            <a:r>
-              <a:rPr lang="de-DE" dirty="0">
-                <a:solidFill>
-                  <a:srgbClr val="FFFFFF"/>
-                </a:solidFill>
-                <a:ea typeface="+mn-lt"/>
-                <a:cs typeface="+mn-lt"/>
-              </a:rPr>
-              <a:t> de sua </a:t>
-            </a:r>
-            <a:r>
-              <a:rPr lang="de-DE" dirty="0" err="1">
-                <a:solidFill>
-                  <a:srgbClr val="FFFFFF"/>
-                </a:solidFill>
-                <a:ea typeface="+mn-lt"/>
-                <a:cs typeface="+mn-lt"/>
-              </a:rPr>
-              <a:t>compreensão</a:t>
-            </a:r>
-            <a:r>
-              <a:rPr lang="de-DE" dirty="0">
-                <a:solidFill>
-                  <a:srgbClr val="FFFFFF"/>
-                </a:solidFill>
-                <a:ea typeface="+mn-lt"/>
-                <a:cs typeface="+mn-lt"/>
-              </a:rPr>
-              <a:t> </a:t>
-            </a:r>
-            <a:r>
-              <a:rPr lang="de-DE" dirty="0" err="1">
-                <a:solidFill>
-                  <a:srgbClr val="FFFFFF"/>
-                </a:solidFill>
-                <a:ea typeface="+mn-lt"/>
-                <a:cs typeface="+mn-lt"/>
-              </a:rPr>
-              <a:t>geral</a:t>
-            </a:r>
-            <a:r>
-              <a:rPr lang="de-DE" dirty="0">
-                <a:solidFill>
-                  <a:srgbClr val="FFFFFF"/>
-                </a:solidFill>
-                <a:ea typeface="+mn-lt"/>
-                <a:cs typeface="+mn-lt"/>
-              </a:rPr>
-              <a:t> da </a:t>
-            </a:r>
-            <a:r>
-              <a:rPr lang="de-DE" dirty="0" err="1">
-                <a:solidFill>
-                  <a:srgbClr val="FFFFFF"/>
-                </a:solidFill>
-                <a:ea typeface="+mn-lt"/>
-                <a:cs typeface="+mn-lt"/>
-              </a:rPr>
-              <a:t>tecnologia</a:t>
-            </a:r>
-            <a:r>
-              <a:rPr lang="de-DE" dirty="0">
-                <a:solidFill>
-                  <a:srgbClr val="FFFFFF"/>
-                </a:solidFill>
-                <a:ea typeface="+mn-lt"/>
-                <a:cs typeface="+mn-lt"/>
-              </a:rPr>
-              <a:t>, a </a:t>
-            </a:r>
-            <a:r>
-              <a:rPr lang="de-DE" dirty="0" err="1">
-                <a:solidFill>
-                  <a:srgbClr val="FFFFFF"/>
-                </a:solidFill>
-                <a:ea typeface="+mn-lt"/>
-                <a:cs typeface="+mn-lt"/>
-              </a:rPr>
-              <a:t>informação</a:t>
-            </a:r>
-            <a:r>
-              <a:rPr lang="de-DE" dirty="0">
-                <a:solidFill>
-                  <a:srgbClr val="FFFFFF"/>
-                </a:solidFill>
-                <a:ea typeface="+mn-lt"/>
-                <a:cs typeface="+mn-lt"/>
-              </a:rPr>
-              <a:t> </a:t>
-            </a:r>
-            <a:r>
-              <a:rPr lang="de-DE" dirty="0" err="1">
-                <a:solidFill>
-                  <a:srgbClr val="FFFFFF"/>
-                </a:solidFill>
-                <a:ea typeface="+mn-lt"/>
-                <a:cs typeface="+mn-lt"/>
-              </a:rPr>
-              <a:t>que</a:t>
-            </a:r>
-            <a:r>
-              <a:rPr lang="de-DE" dirty="0">
-                <a:solidFill>
-                  <a:srgbClr val="FFFFFF"/>
-                </a:solidFill>
-                <a:ea typeface="+mn-lt"/>
-                <a:cs typeface="+mn-lt"/>
-              </a:rPr>
-              <a:t> </a:t>
-            </a:r>
-            <a:r>
-              <a:rPr lang="de-DE" dirty="0" err="1">
-                <a:solidFill>
-                  <a:srgbClr val="FFFFFF"/>
-                </a:solidFill>
-                <a:ea typeface="+mn-lt"/>
-                <a:cs typeface="+mn-lt"/>
-              </a:rPr>
-              <a:t>você</a:t>
-            </a:r>
-            <a:r>
-              <a:rPr lang="de-DE" dirty="0">
-                <a:solidFill>
-                  <a:srgbClr val="FFFFFF"/>
-                </a:solidFill>
-                <a:ea typeface="+mn-lt"/>
-                <a:cs typeface="+mn-lt"/>
-              </a:rPr>
-              <a:t> </a:t>
-            </a:r>
-            <a:r>
-              <a:rPr lang="de-DE" dirty="0" err="1">
-                <a:solidFill>
-                  <a:srgbClr val="FFFFFF"/>
-                </a:solidFill>
-                <a:ea typeface="+mn-lt"/>
-                <a:cs typeface="+mn-lt"/>
-              </a:rPr>
-              <a:t>tem</a:t>
-            </a:r>
-            <a:r>
-              <a:rPr lang="de-DE" dirty="0">
-                <a:solidFill>
-                  <a:srgbClr val="FFFFFF"/>
-                </a:solidFill>
-                <a:ea typeface="+mn-lt"/>
-                <a:cs typeface="+mn-lt"/>
-              </a:rPr>
-              <a:t> </a:t>
-            </a:r>
-            <a:r>
-              <a:rPr lang="de-DE" dirty="0" err="1">
-                <a:solidFill>
-                  <a:srgbClr val="FFFFFF"/>
-                </a:solidFill>
-                <a:ea typeface="+mn-lt"/>
-                <a:cs typeface="+mn-lt"/>
-              </a:rPr>
-              <a:t>sobre</a:t>
-            </a:r>
-            <a:r>
-              <a:rPr lang="de-DE" dirty="0">
-                <a:solidFill>
-                  <a:srgbClr val="FFFFFF"/>
-                </a:solidFill>
-                <a:ea typeface="+mn-lt"/>
-                <a:cs typeface="+mn-lt"/>
-              </a:rPr>
-              <a:t> o </a:t>
-            </a:r>
-            <a:r>
-              <a:rPr lang="de-DE" dirty="0" err="1">
-                <a:solidFill>
-                  <a:srgbClr val="FFFFFF"/>
-                </a:solidFill>
-                <a:ea typeface="+mn-lt"/>
-                <a:cs typeface="+mn-lt"/>
-              </a:rPr>
-              <a:t>produto</a:t>
-            </a:r>
-            <a:r>
-              <a:rPr lang="de-DE" dirty="0">
-                <a:solidFill>
-                  <a:srgbClr val="FFFFFF"/>
-                </a:solidFill>
-                <a:ea typeface="+mn-lt"/>
-                <a:cs typeface="+mn-lt"/>
-              </a:rPr>
-              <a:t> e </a:t>
-            </a:r>
-            <a:r>
-              <a:rPr lang="de-DE" dirty="0" err="1">
-                <a:solidFill>
-                  <a:srgbClr val="FFFFFF"/>
-                </a:solidFill>
-                <a:ea typeface="+mn-lt"/>
-                <a:cs typeface="+mn-lt"/>
-              </a:rPr>
-              <a:t>seus</a:t>
-            </a:r>
-            <a:r>
-              <a:rPr lang="de-DE" dirty="0">
-                <a:solidFill>
-                  <a:srgbClr val="FFFFFF"/>
-                </a:solidFill>
-                <a:ea typeface="+mn-lt"/>
-                <a:cs typeface="+mn-lt"/>
-              </a:rPr>
-              <a:t> </a:t>
-            </a:r>
-            <a:r>
-              <a:rPr lang="de-DE" dirty="0" err="1">
-                <a:solidFill>
-                  <a:srgbClr val="FFFFFF"/>
-                </a:solidFill>
-                <a:ea typeface="+mn-lt"/>
-                <a:cs typeface="+mn-lt"/>
-              </a:rPr>
-              <a:t>usuários</a:t>
-            </a:r>
-            <a:r>
-              <a:rPr lang="de-DE" dirty="0">
-                <a:solidFill>
-                  <a:srgbClr val="FFFFFF"/>
-                </a:solidFill>
-                <a:ea typeface="+mn-lt"/>
-                <a:cs typeface="+mn-lt"/>
-              </a:rPr>
-              <a:t> </a:t>
-            </a:r>
-            <a:r>
-              <a:rPr lang="de-DE" dirty="0" err="1">
-                <a:solidFill>
-                  <a:srgbClr val="FFFFFF"/>
-                </a:solidFill>
-                <a:ea typeface="+mn-lt"/>
-                <a:cs typeface="+mn-lt"/>
-              </a:rPr>
-              <a:t>pretendidos</a:t>
-            </a:r>
-            <a:r>
-              <a:rPr lang="de-DE" dirty="0">
-                <a:solidFill>
-                  <a:srgbClr val="FFFFFF"/>
-                </a:solidFill>
-                <a:ea typeface="+mn-lt"/>
-                <a:cs typeface="+mn-lt"/>
-              </a:rPr>
-              <a:t> e a </a:t>
-            </a:r>
-            <a:r>
-              <a:rPr lang="de-DE" dirty="0" err="1">
-                <a:solidFill>
-                  <a:srgbClr val="FFFFFF"/>
-                </a:solidFill>
-                <a:ea typeface="+mn-lt"/>
-                <a:cs typeface="+mn-lt"/>
-              </a:rPr>
-              <a:t>quantidade</a:t>
-            </a:r>
-            <a:r>
-              <a:rPr lang="de-DE" dirty="0">
-                <a:solidFill>
-                  <a:srgbClr val="FFFFFF"/>
-                </a:solidFill>
-                <a:ea typeface="+mn-lt"/>
-                <a:cs typeface="+mn-lt"/>
-              </a:rPr>
-              <a:t> de tempo </a:t>
-            </a:r>
-            <a:r>
-              <a:rPr lang="de-DE" dirty="0" err="1">
-                <a:solidFill>
-                  <a:srgbClr val="FFFFFF"/>
-                </a:solidFill>
-                <a:ea typeface="+mn-lt"/>
-                <a:cs typeface="+mn-lt"/>
-              </a:rPr>
-              <a:t>que</a:t>
-            </a:r>
-            <a:r>
-              <a:rPr lang="de-DE" dirty="0">
-                <a:solidFill>
-                  <a:srgbClr val="FFFFFF"/>
-                </a:solidFill>
-                <a:ea typeface="+mn-lt"/>
-                <a:cs typeface="+mn-lt"/>
-              </a:rPr>
-              <a:t> </a:t>
-            </a:r>
-            <a:r>
-              <a:rPr lang="de-DE" dirty="0" err="1">
-                <a:solidFill>
-                  <a:srgbClr val="FFFFFF"/>
-                </a:solidFill>
-                <a:ea typeface="+mn-lt"/>
-                <a:cs typeface="+mn-lt"/>
-              </a:rPr>
-              <a:t>você</a:t>
-            </a:r>
-            <a:r>
-              <a:rPr lang="de-DE" dirty="0">
-                <a:solidFill>
-                  <a:srgbClr val="FFFFFF"/>
-                </a:solidFill>
-                <a:ea typeface="+mn-lt"/>
-                <a:cs typeface="+mn-lt"/>
-              </a:rPr>
-              <a:t> </a:t>
-            </a:r>
-            <a:r>
-              <a:rPr lang="de-DE" dirty="0" err="1">
-                <a:solidFill>
-                  <a:srgbClr val="FFFFFF"/>
-                </a:solidFill>
-                <a:ea typeface="+mn-lt"/>
-                <a:cs typeface="+mn-lt"/>
-              </a:rPr>
-              <a:t>tem</a:t>
-            </a:r>
-            <a:r>
-              <a:rPr lang="de-DE" dirty="0">
-                <a:solidFill>
-                  <a:srgbClr val="FFFFFF"/>
-                </a:solidFill>
-                <a:ea typeface="+mn-lt"/>
-                <a:cs typeface="+mn-lt"/>
-              </a:rPr>
-              <a:t> </a:t>
-            </a:r>
-            <a:r>
-              <a:rPr lang="de-DE" dirty="0" err="1">
-                <a:solidFill>
-                  <a:srgbClr val="FFFFFF"/>
-                </a:solidFill>
-                <a:ea typeface="+mn-lt"/>
-                <a:cs typeface="+mn-lt"/>
-              </a:rPr>
-              <a:t>que</a:t>
-            </a:r>
-            <a:r>
-              <a:rPr lang="de-DE" dirty="0">
-                <a:solidFill>
-                  <a:srgbClr val="FFFFFF"/>
-                </a:solidFill>
-                <a:ea typeface="+mn-lt"/>
-                <a:cs typeface="+mn-lt"/>
-              </a:rPr>
-              <a:t> </a:t>
-            </a:r>
-            <a:r>
-              <a:rPr lang="de-DE" dirty="0" err="1">
-                <a:solidFill>
-                  <a:srgbClr val="FFFFFF"/>
-                </a:solidFill>
-                <a:ea typeface="+mn-lt"/>
-                <a:cs typeface="+mn-lt"/>
-              </a:rPr>
-              <a:t>fazer</a:t>
-            </a:r>
-            <a:r>
-              <a:rPr lang="de-DE" dirty="0">
-                <a:solidFill>
-                  <a:srgbClr val="FFFFFF"/>
-                </a:solidFill>
-                <a:ea typeface="+mn-lt"/>
-                <a:cs typeface="+mn-lt"/>
-              </a:rPr>
-              <a:t> o </a:t>
-            </a:r>
-            <a:r>
-              <a:rPr lang="de-DE" dirty="0" err="1">
-                <a:solidFill>
-                  <a:srgbClr val="FFFFFF"/>
-                </a:solidFill>
-                <a:ea typeface="+mn-lt"/>
-                <a:cs typeface="+mn-lt"/>
-              </a:rPr>
-              <a:t>trabalho</a:t>
-            </a:r>
-            <a:r>
-              <a:rPr lang="de-DE" dirty="0">
-                <a:solidFill>
-                  <a:srgbClr val="FFFFFF"/>
-                </a:solidFill>
-                <a:ea typeface="+mn-lt"/>
-                <a:cs typeface="+mn-lt"/>
-              </a:rPr>
-              <a:t>.</a:t>
-            </a:r>
-            <a:endParaRPr lang="de-DE" dirty="0"/>
-          </a:p>
-          <a:p>
+              <a:t> tempo, da tecnologia e do conhecimento do testador.</a:t>
+            </a:r>
             <a:endParaRPr lang="de-DE" dirty="0">
               <a:solidFill>
-                <a:srgbClr val="FFFFFF"/>
+                <a:schemeClr val="bg1"/>
               </a:solidFill>
               <a:ea typeface="Calibri"/>
               <a:cs typeface="Calibri"/>
